--- a/_6_Extra Files/Custom Textures _2PARA.pptx
+++ b/_6_Extra Files/Custom Textures _2PARA.pptx
@@ -5,30 +5,32 @@
     <p:sldMasterId id="2147483659" r:id="rId1"/>
   </p:sldMasterIdLst>
   <p:notesMasterIdLst>
-    <p:notesMasterId r:id="rId23"/>
+    <p:notesMasterId r:id="rId25"/>
   </p:notesMasterIdLst>
   <p:sldIdLst>
     <p:sldId id="272" r:id="rId2"/>
     <p:sldId id="306" r:id="rId3"/>
-    <p:sldId id="284" r:id="rId4"/>
-    <p:sldId id="287" r:id="rId5"/>
-    <p:sldId id="297" r:id="rId6"/>
-    <p:sldId id="307" r:id="rId7"/>
-    <p:sldId id="302" r:id="rId8"/>
-    <p:sldId id="288" r:id="rId9"/>
-    <p:sldId id="289" r:id="rId10"/>
-    <p:sldId id="290" r:id="rId11"/>
-    <p:sldId id="300" r:id="rId12"/>
-    <p:sldId id="296" r:id="rId13"/>
-    <p:sldId id="291" r:id="rId14"/>
-    <p:sldId id="303" r:id="rId15"/>
-    <p:sldId id="292" r:id="rId16"/>
-    <p:sldId id="304" r:id="rId17"/>
-    <p:sldId id="293" r:id="rId18"/>
-    <p:sldId id="305" r:id="rId19"/>
-    <p:sldId id="299" r:id="rId20"/>
-    <p:sldId id="301" r:id="rId21"/>
-    <p:sldId id="298" r:id="rId22"/>
+    <p:sldId id="309" r:id="rId4"/>
+    <p:sldId id="310" r:id="rId5"/>
+    <p:sldId id="311" r:id="rId6"/>
+    <p:sldId id="312" r:id="rId7"/>
+    <p:sldId id="313" r:id="rId8"/>
+    <p:sldId id="315" r:id="rId9"/>
+    <p:sldId id="314" r:id="rId10"/>
+    <p:sldId id="316" r:id="rId11"/>
+    <p:sldId id="317" r:id="rId12"/>
+    <p:sldId id="300" r:id="rId13"/>
+    <p:sldId id="308" r:id="rId14"/>
+    <p:sldId id="296" r:id="rId15"/>
+    <p:sldId id="291" r:id="rId16"/>
+    <p:sldId id="303" r:id="rId17"/>
+    <p:sldId id="292" r:id="rId18"/>
+    <p:sldId id="304" r:id="rId19"/>
+    <p:sldId id="293" r:id="rId20"/>
+    <p:sldId id="305" r:id="rId21"/>
+    <p:sldId id="299" r:id="rId22"/>
+    <p:sldId id="301" r:id="rId23"/>
+    <p:sldId id="298" r:id="rId24"/>
   </p:sldIdLst>
   <p:sldSz cx="9144000" cy="5143500" type="screen16x9"/>
   <p:notesSz cx="6858000" cy="9144000"/>
@@ -272,15 +274,17 @@
         <p14:section name="Signs" id="{621A98AE-A668-40A4-A9DD-D46166444965}">
           <p14:sldIdLst>
             <p14:sldId id="306"/>
-            <p14:sldId id="284"/>
-            <p14:sldId id="287"/>
-            <p14:sldId id="297"/>
-            <p14:sldId id="307"/>
-            <p14:sldId id="302"/>
-            <p14:sldId id="288"/>
-            <p14:sldId id="289"/>
-            <p14:sldId id="290"/>
+            <p14:sldId id="309"/>
+            <p14:sldId id="310"/>
+            <p14:sldId id="311"/>
+            <p14:sldId id="312"/>
+            <p14:sldId id="313"/>
+            <p14:sldId id="315"/>
+            <p14:sldId id="314"/>
+            <p14:sldId id="316"/>
+            <p14:sldId id="317"/>
             <p14:sldId id="300"/>
+            <p14:sldId id="308"/>
             <p14:sldId id="296"/>
             <p14:sldId id="291"/>
             <p14:sldId id="303"/>
@@ -4264,8 +4268,8 @@
           </p:nvSpPr>
           <p:spPr>
             <a:xfrm>
-              <a:off x="3419302" y="357485"/>
-              <a:ext cx="2305439" cy="923330"/>
+              <a:off x="3323122" y="357485"/>
+              <a:ext cx="2497800" cy="923330"/>
             </a:xfrm>
             <a:prstGeom prst="rect">
               <a:avLst/>
@@ -4280,7 +4284,7 @@
             <a:p>
               <a:pPr algn="ctr"/>
               <a:r>
-                <a:rPr lang="en-US" sz="5400" dirty="0">
+                <a:rPr lang="en-US" sz="5400" spc="300" dirty="0">
                   <a:ln w="0"/>
                   <a:solidFill>
                     <a:schemeClr val="tx1"/>
@@ -4296,7 +4300,7 @@
                 </a:rPr>
                 <a:t>BLANK</a:t>
               </a:r>
-              <a:endParaRPr lang="en-US" sz="5400" cap="none" spc="0" dirty="0">
+              <a:endParaRPr lang="en-US" sz="5400" cap="none" spc="300" dirty="0">
                 <a:ln w="0"/>
                 <a:solidFill>
                   <a:schemeClr val="tx1"/>
@@ -4413,7 +4417,7 @@
       </p:grpSp>
       <p:pic>
         <p:nvPicPr>
-          <p:cNvPr id="10" name="Picture 9" descr="A picture containing kitchenware, clipart&#10;&#10;Description automatically generated">
+          <p:cNvPr id="10" name="Picture 9">
             <a:extLst>
               <a:ext uri="{FF2B5EF4-FFF2-40B4-BE49-F238E27FC236}">
                 <a16:creationId xmlns:a16="http://schemas.microsoft.com/office/drawing/2014/main" id="{E6F1A290-61FD-4F9F-82B8-44C00D3AD0EF}"/>
@@ -4426,47 +4430,14 @@
           <p:nvPr/>
         </p:nvPicPr>
         <p:blipFill>
-          <a:blip r:embed="rId2">
-            <a:extLst>
-              <a:ext uri="{BEBA8EAE-BF5A-486C-A8C5-ECC9F3942E4B}">
-                <a14:imgProps xmlns:a14="http://schemas.microsoft.com/office/drawing/2010/main">
-                  <a14:imgLayer r:embed="rId3">
-                    <a14:imgEffect>
-                      <a14:backgroundRemoval t="6897" b="93103" l="1903" r="96406">
-                        <a14:foregroundMark x1="48626" y1="10000" x2="48626" y2="6897"/>
-                        <a14:foregroundMark x1="35307" y1="44483" x2="35307" y2="44483"/>
-                        <a14:foregroundMark x1="31924" y1="44483" x2="31924" y2="44483"/>
-                        <a14:foregroundMark x1="12896" y1="46552" x2="12896" y2="46552"/>
-                        <a14:foregroundMark x1="15645" y1="47931" x2="27696" y2="60345"/>
-                        <a14:foregroundMark x1="34461" y1="63448" x2="41649" y2="68966"/>
-                        <a14:foregroundMark x1="41649" y1="68966" x2="41649" y2="68966"/>
-                        <a14:foregroundMark x1="42283" y1="72414" x2="44609" y2="74138"/>
-                        <a14:foregroundMark x1="55180" y1="75172" x2="60042" y2="72414"/>
-                        <a14:foregroundMark x1="58351" y1="71379" x2="81395" y2="48966"/>
-                        <a14:foregroundMark x1="83510" y1="48276" x2="87738" y2="47241"/>
-                        <a14:foregroundMark x1="92812" y1="46207" x2="92812" y2="46207"/>
-                        <a14:foregroundMark x1="96617" y1="44138" x2="96617" y2="44138"/>
-                        <a14:foregroundMark x1="69556" y1="44138" x2="69556" y2="44138"/>
-                        <a14:foregroundMark x1="56871" y1="45172" x2="56871" y2="45172"/>
-                        <a14:foregroundMark x1="5708" y1="46207" x2="5708" y2="46207"/>
-                        <a14:foregroundMark x1="1903" y1="43793" x2="1903" y2="43793"/>
-                        <a14:foregroundMark x1="49471" y1="93103" x2="49471" y2="93103"/>
-                        <a14:foregroundMark x1="52431" y1="7241" x2="52431" y2="7241"/>
-                      </a14:backgroundRemoval>
-                    </a14:imgEffect>
-                  </a14:imgLayer>
-                </a14:imgProps>
-              </a:ext>
-            </a:extLst>
-          </a:blip>
-          <a:stretch>
-            <a:fillRect/>
-          </a:stretch>
+          <a:blip r:embed="rId2"/>
+          <a:srcRect/>
+          <a:stretch/>
         </p:blipFill>
         <p:spPr>
           <a:xfrm>
-            <a:off x="2627570" y="1379604"/>
-            <a:ext cx="3888860" cy="2384291"/>
+            <a:off x="2664567" y="1379604"/>
+            <a:ext cx="3814865" cy="2384291"/>
           </a:xfrm>
           <a:prstGeom prst="rect">
             <a:avLst/>
@@ -4589,8 +4560,8 @@
           </p:nvSpPr>
           <p:spPr>
             <a:xfrm>
-              <a:off x="2114461" y="357485"/>
-              <a:ext cx="4915128" cy="923330"/>
+              <a:off x="1073326" y="357485"/>
+              <a:ext cx="6997428" cy="923330"/>
             </a:xfrm>
             <a:prstGeom prst="rect">
               <a:avLst/>
@@ -4605,7 +4576,493 @@
             <a:p>
               <a:pPr algn="ctr"/>
               <a:r>
-                <a:rPr lang="en-US" sz="5400" dirty="0">
+                <a:rPr lang="en-US" sz="5400" cap="none" spc="300" dirty="0">
+                  <a:ln w="0"/>
+                  <a:solidFill>
+                    <a:schemeClr val="tx1"/>
+                  </a:solidFill>
+                  <a:effectLst>
+                    <a:outerShdw blurRad="38100" dist="38100" dir="2700000" algn="tl">
+                      <a:srgbClr val="000000">
+                        <a:alpha val="43137"/>
+                      </a:srgbClr>
+                    </a:outerShdw>
+                  </a:effectLst>
+                  <a:latin typeface="Capture it" panose="02000500000000000000" pitchFamily="2" charset="0"/>
+                </a:rPr>
+                <a:t>VEHICLE SERVICING</a:t>
+              </a:r>
+            </a:p>
+          </p:txBody>
+        </p:sp>
+        <p:sp>
+          <p:nvSpPr>
+            <p:cNvPr id="8" name="Rectangle 7">
+              <a:extLst>
+                <a:ext uri="{FF2B5EF4-FFF2-40B4-BE49-F238E27FC236}">
+                  <a16:creationId xmlns:a16="http://schemas.microsoft.com/office/drawing/2014/main" id="{DF3F4C3C-C275-411A-BCE4-D87887C366FB}"/>
+                </a:ext>
+              </a:extLst>
+            </p:cNvPr>
+            <p:cNvSpPr/>
+            <p:nvPr/>
+          </p:nvSpPr>
+          <p:spPr>
+            <a:xfrm>
+              <a:off x="3497028" y="3977748"/>
+              <a:ext cx="2149948" cy="707886"/>
+            </a:xfrm>
+            <a:prstGeom prst="rect">
+              <a:avLst/>
+            </a:prstGeom>
+            <a:noFill/>
+          </p:spPr>
+          <p:txBody>
+            <a:bodyPr wrap="none" lIns="91440" tIns="45720" rIns="91440" bIns="45720">
+              <a:spAutoFit/>
+            </a:bodyPr>
+            <a:lstStyle/>
+            <a:p>
+              <a:pPr algn="ctr"/>
+              <a:r>
+                <a:rPr lang="en-US" sz="4000" spc="300" dirty="0">
+                  <a:ln w="0"/>
+                  <a:solidFill>
+                    <a:schemeClr val="tx1"/>
+                  </a:solidFill>
+                  <a:latin typeface="Segoe UI Semibold" panose="020B0702040204020203" pitchFamily="34" charset="0"/>
+                  <a:cs typeface="Segoe UI Semibold" panose="020B0702040204020203" pitchFamily="34" charset="0"/>
+                </a:rPr>
+                <a:t>2 PARA</a:t>
+              </a:r>
+              <a:endParaRPr lang="en-US" sz="4000" cap="none" spc="300" dirty="0">
+                <a:ln w="0"/>
+                <a:solidFill>
+                  <a:schemeClr val="tx1"/>
+                </a:solidFill>
+                <a:latin typeface="Segoe UI Semibold" panose="020B0702040204020203" pitchFamily="34" charset="0"/>
+                <a:cs typeface="Segoe UI Semibold" panose="020B0702040204020203" pitchFamily="34" charset="0"/>
+              </a:endParaRPr>
+            </a:p>
+          </p:txBody>
+        </p:sp>
+      </p:grpSp>
+      <p:pic>
+        <p:nvPicPr>
+          <p:cNvPr id="10" name="Picture 9">
+            <a:extLst>
+              <a:ext uri="{FF2B5EF4-FFF2-40B4-BE49-F238E27FC236}">
+                <a16:creationId xmlns:a16="http://schemas.microsoft.com/office/drawing/2014/main" id="{E6F1A290-61FD-4F9F-82B8-44C00D3AD0EF}"/>
+              </a:ext>
+            </a:extLst>
+          </p:cNvPr>
+          <p:cNvPicPr>
+            <a:picLocks noChangeAspect="1"/>
+          </p:cNvPicPr>
+          <p:nvPr/>
+        </p:nvPicPr>
+        <p:blipFill>
+          <a:blip r:embed="rId2"/>
+          <a:srcRect/>
+          <a:stretch/>
+        </p:blipFill>
+        <p:spPr>
+          <a:xfrm>
+            <a:off x="2664567" y="1379604"/>
+            <a:ext cx="3814865" cy="2384291"/>
+          </a:xfrm>
+          <a:prstGeom prst="rect">
+            <a:avLst/>
+          </a:prstGeom>
+        </p:spPr>
+      </p:pic>
+    </p:spTree>
+    <p:extLst>
+      <p:ext uri="{BB962C8B-B14F-4D97-AF65-F5344CB8AC3E}">
+        <p14:creationId xmlns:p14="http://schemas.microsoft.com/office/powerpoint/2010/main" val="761215153"/>
+      </p:ext>
+    </p:extLst>
+  </p:cSld>
+  <p:clrMapOvr>
+    <a:masterClrMapping/>
+  </p:clrMapOvr>
+</p:sld>
+</file>
+
+<file path=ppt/slides/slide11.xml><?xml version="1.0" encoding="utf-8"?>
+<p:sld xmlns:a="http://schemas.openxmlformats.org/drawingml/2006/main" xmlns:r="http://schemas.openxmlformats.org/officeDocument/2006/relationships" xmlns:p="http://schemas.openxmlformats.org/presentationml/2006/main">
+  <p:cSld>
+    <p:spTree>
+      <p:nvGrpSpPr>
+        <p:cNvPr id="1" name=""/>
+        <p:cNvGrpSpPr/>
+        <p:nvPr/>
+      </p:nvGrpSpPr>
+      <p:grpSpPr>
+        <a:xfrm>
+          <a:off x="0" y="0"/>
+          <a:ext cx="0" cy="0"/>
+          <a:chOff x="0" y="0"/>
+          <a:chExt cx="0" cy="0"/>
+        </a:xfrm>
+      </p:grpSpPr>
+      <p:grpSp>
+        <p:nvGrpSpPr>
+          <p:cNvPr id="4" name="Group 3">
+            <a:extLst>
+              <a:ext uri="{FF2B5EF4-FFF2-40B4-BE49-F238E27FC236}">
+                <a16:creationId xmlns:a16="http://schemas.microsoft.com/office/drawing/2014/main" id="{4FFE0F19-E00C-4848-A6D1-397C956903E2}"/>
+              </a:ext>
+            </a:extLst>
+          </p:cNvPr>
+          <p:cNvGrpSpPr/>
+          <p:nvPr/>
+        </p:nvGrpSpPr>
+        <p:grpSpPr>
+          <a:xfrm>
+            <a:off x="0" y="252558"/>
+            <a:ext cx="9144000" cy="4577113"/>
+            <a:chOff x="0" y="252558"/>
+            <a:chExt cx="9144000" cy="4577113"/>
+          </a:xfrm>
+        </p:grpSpPr>
+        <p:sp>
+          <p:nvSpPr>
+            <p:cNvPr id="5" name="Rectangle 4">
+              <a:extLst>
+                <a:ext uri="{FF2B5EF4-FFF2-40B4-BE49-F238E27FC236}">
+                  <a16:creationId xmlns:a16="http://schemas.microsoft.com/office/drawing/2014/main" id="{95006BC1-BABF-4B37-BC83-146E39302642}"/>
+                </a:ext>
+              </a:extLst>
+            </p:cNvPr>
+            <p:cNvSpPr/>
+            <p:nvPr/>
+          </p:nvSpPr>
+          <p:spPr>
+            <a:xfrm>
+              <a:off x="0" y="252558"/>
+              <a:ext cx="9144000" cy="4577113"/>
+            </a:xfrm>
+            <a:prstGeom prst="rect">
+              <a:avLst/>
+            </a:prstGeom>
+            <a:solidFill>
+              <a:srgbClr val="A5A7A1"/>
+            </a:solidFill>
+            <a:ln>
+              <a:noFill/>
+            </a:ln>
+          </p:spPr>
+          <p:style>
+            <a:lnRef idx="2">
+              <a:schemeClr val="accent1">
+                <a:shade val="50000"/>
+              </a:schemeClr>
+            </a:lnRef>
+            <a:fillRef idx="1">
+              <a:schemeClr val="accent1"/>
+            </a:fillRef>
+            <a:effectRef idx="0">
+              <a:schemeClr val="accent1"/>
+            </a:effectRef>
+            <a:fontRef idx="minor">
+              <a:schemeClr val="lt1"/>
+            </a:fontRef>
+          </p:style>
+          <p:txBody>
+            <a:bodyPr rtlCol="0" anchor="ctr"/>
+            <a:lstStyle/>
+            <a:p>
+              <a:pPr algn="ctr"/>
+              <a:endParaRPr lang="en-GB" dirty="0"/>
+            </a:p>
+          </p:txBody>
+        </p:sp>
+        <p:sp>
+          <p:nvSpPr>
+            <p:cNvPr id="6" name="Rectangle 5">
+              <a:extLst>
+                <a:ext uri="{FF2B5EF4-FFF2-40B4-BE49-F238E27FC236}">
+                  <a16:creationId xmlns:a16="http://schemas.microsoft.com/office/drawing/2014/main" id="{23D1B05C-9CCE-4095-A6C9-4E122EAF326D}"/>
+                </a:ext>
+              </a:extLst>
+            </p:cNvPr>
+            <p:cNvSpPr/>
+            <p:nvPr/>
+          </p:nvSpPr>
+          <p:spPr>
+            <a:xfrm>
+              <a:off x="1073326" y="357485"/>
+              <a:ext cx="6997428" cy="923330"/>
+            </a:xfrm>
+            <a:prstGeom prst="rect">
+              <a:avLst/>
+            </a:prstGeom>
+            <a:noFill/>
+          </p:spPr>
+          <p:txBody>
+            <a:bodyPr wrap="none" lIns="91440" tIns="45720" rIns="91440" bIns="45720">
+              <a:spAutoFit/>
+            </a:bodyPr>
+            <a:lstStyle/>
+            <a:p>
+              <a:pPr algn="ctr"/>
+              <a:r>
+                <a:rPr lang="en-US" sz="5400" cap="none" spc="300" dirty="0">
+                  <a:ln w="0"/>
+                  <a:solidFill>
+                    <a:schemeClr val="tx1"/>
+                  </a:solidFill>
+                  <a:effectLst>
+                    <a:outerShdw blurRad="38100" dist="38100" dir="2700000" algn="tl">
+                      <a:srgbClr val="000000">
+                        <a:alpha val="43137"/>
+                      </a:srgbClr>
+                    </a:outerShdw>
+                  </a:effectLst>
+                  <a:latin typeface="Capture it" panose="02000500000000000000" pitchFamily="2" charset="0"/>
+                </a:rPr>
+                <a:t>VEHICLE SERVICING</a:t>
+              </a:r>
+            </a:p>
+          </p:txBody>
+        </p:sp>
+        <p:sp>
+          <p:nvSpPr>
+            <p:cNvPr id="8" name="Rectangle 7">
+              <a:extLst>
+                <a:ext uri="{FF2B5EF4-FFF2-40B4-BE49-F238E27FC236}">
+                  <a16:creationId xmlns:a16="http://schemas.microsoft.com/office/drawing/2014/main" id="{DF3F4C3C-C275-411A-BCE4-D87887C366FB}"/>
+                </a:ext>
+              </a:extLst>
+            </p:cNvPr>
+            <p:cNvSpPr/>
+            <p:nvPr/>
+          </p:nvSpPr>
+          <p:spPr>
+            <a:xfrm>
+              <a:off x="2322831" y="3977748"/>
+              <a:ext cx="4498347" cy="707886"/>
+            </a:xfrm>
+            <a:prstGeom prst="rect">
+              <a:avLst/>
+            </a:prstGeom>
+            <a:noFill/>
+          </p:spPr>
+          <p:txBody>
+            <a:bodyPr wrap="none" lIns="91440" tIns="45720" rIns="91440" bIns="45720">
+              <a:spAutoFit/>
+            </a:bodyPr>
+            <a:lstStyle/>
+            <a:p>
+              <a:pPr algn="ctr"/>
+              <a:r>
+                <a:rPr lang="en-US" sz="4000" spc="300" dirty="0">
+                  <a:ln w="0"/>
+                  <a:solidFill>
+                    <a:schemeClr val="tx1"/>
+                  </a:solidFill>
+                  <a:latin typeface="Segoe UI Semibold" panose="020B0702040204020203" pitchFamily="34" charset="0"/>
+                  <a:cs typeface="Segoe UI Semibold" panose="020B0702040204020203" pitchFamily="34" charset="0"/>
+                </a:rPr>
+                <a:t>2</a:t>
+              </a:r>
+              <a:r>
+                <a:rPr lang="en-US" sz="4000" spc="300" baseline="30000" dirty="0">
+                  <a:ln w="0"/>
+                  <a:solidFill>
+                    <a:schemeClr val="tx1"/>
+                  </a:solidFill>
+                  <a:latin typeface="Segoe UI Semibold" panose="020B0702040204020203" pitchFamily="34" charset="0"/>
+                  <a:cs typeface="Segoe UI Semibold" panose="020B0702040204020203" pitchFamily="34" charset="0"/>
+                </a:rPr>
+                <a:t>nd</a:t>
+              </a:r>
+              <a:r>
+                <a:rPr lang="en-US" sz="4000" spc="300" dirty="0">
+                  <a:ln w="0"/>
+                  <a:solidFill>
+                    <a:schemeClr val="tx1"/>
+                  </a:solidFill>
+                  <a:latin typeface="Segoe UI Semibold" panose="020B0702040204020203" pitchFamily="34" charset="0"/>
+                  <a:cs typeface="Segoe UI Semibold" panose="020B0702040204020203" pitchFamily="34" charset="0"/>
+                </a:rPr>
+                <a:t> BN / 2 PARA</a:t>
+              </a:r>
+              <a:endParaRPr lang="en-US" sz="4000" cap="none" spc="300" dirty="0">
+                <a:ln w="0"/>
+                <a:solidFill>
+                  <a:schemeClr val="tx1"/>
+                </a:solidFill>
+                <a:latin typeface="Segoe UI Semibold" panose="020B0702040204020203" pitchFamily="34" charset="0"/>
+                <a:cs typeface="Segoe UI Semibold" panose="020B0702040204020203" pitchFamily="34" charset="0"/>
+              </a:endParaRPr>
+            </a:p>
+          </p:txBody>
+        </p:sp>
+      </p:grpSp>
+      <p:pic>
+        <p:nvPicPr>
+          <p:cNvPr id="10" name="Picture 9">
+            <a:extLst>
+              <a:ext uri="{FF2B5EF4-FFF2-40B4-BE49-F238E27FC236}">
+                <a16:creationId xmlns:a16="http://schemas.microsoft.com/office/drawing/2014/main" id="{E6F1A290-61FD-4F9F-82B8-44C00D3AD0EF}"/>
+              </a:ext>
+            </a:extLst>
+          </p:cNvPr>
+          <p:cNvPicPr>
+            <a:picLocks noChangeAspect="1"/>
+          </p:cNvPicPr>
+          <p:nvPr/>
+        </p:nvPicPr>
+        <p:blipFill>
+          <a:blip r:embed="rId2"/>
+          <a:srcRect/>
+          <a:stretch/>
+        </p:blipFill>
+        <p:spPr>
+          <a:xfrm>
+            <a:off x="2664567" y="1379604"/>
+            <a:ext cx="3814865" cy="2384291"/>
+          </a:xfrm>
+          <a:prstGeom prst="rect">
+            <a:avLst/>
+          </a:prstGeom>
+        </p:spPr>
+      </p:pic>
+    </p:spTree>
+    <p:extLst>
+      <p:ext uri="{BB962C8B-B14F-4D97-AF65-F5344CB8AC3E}">
+        <p14:creationId xmlns:p14="http://schemas.microsoft.com/office/powerpoint/2010/main" val="914661575"/>
+      </p:ext>
+    </p:extLst>
+  </p:cSld>
+  <p:clrMapOvr>
+    <a:masterClrMapping/>
+  </p:clrMapOvr>
+</p:sld>
+</file>
+
+<file path=ppt/slides/slide12.xml><?xml version="1.0" encoding="utf-8"?>
+<p:sld xmlns:a="http://schemas.openxmlformats.org/drawingml/2006/main" xmlns:r="http://schemas.openxmlformats.org/officeDocument/2006/relationships" xmlns:p="http://schemas.openxmlformats.org/presentationml/2006/main">
+  <p:cSld>
+    <p:spTree>
+      <p:nvGrpSpPr>
+        <p:cNvPr id="1" name=""/>
+        <p:cNvGrpSpPr/>
+        <p:nvPr/>
+      </p:nvGrpSpPr>
+      <p:grpSpPr>
+        <a:xfrm>
+          <a:off x="0" y="0"/>
+          <a:ext cx="0" cy="0"/>
+          <a:chOff x="0" y="0"/>
+          <a:chExt cx="0" cy="0"/>
+        </a:xfrm>
+      </p:grpSpPr>
+      <p:grpSp>
+        <p:nvGrpSpPr>
+          <p:cNvPr id="4" name="Group 3">
+            <a:extLst>
+              <a:ext uri="{FF2B5EF4-FFF2-40B4-BE49-F238E27FC236}">
+                <a16:creationId xmlns:a16="http://schemas.microsoft.com/office/drawing/2014/main" id="{4FFE0F19-E00C-4848-A6D1-397C956903E2}"/>
+              </a:ext>
+            </a:extLst>
+          </p:cNvPr>
+          <p:cNvGrpSpPr/>
+          <p:nvPr/>
+        </p:nvGrpSpPr>
+        <p:grpSpPr>
+          <a:xfrm>
+            <a:off x="0" y="252558"/>
+            <a:ext cx="9144000" cy="4577113"/>
+            <a:chOff x="0" y="252558"/>
+            <a:chExt cx="9144000" cy="4577113"/>
+          </a:xfrm>
+        </p:grpSpPr>
+        <p:sp>
+          <p:nvSpPr>
+            <p:cNvPr id="5" name="Rectangle 4">
+              <a:extLst>
+                <a:ext uri="{FF2B5EF4-FFF2-40B4-BE49-F238E27FC236}">
+                  <a16:creationId xmlns:a16="http://schemas.microsoft.com/office/drawing/2014/main" id="{95006BC1-BABF-4B37-BC83-146E39302642}"/>
+                </a:ext>
+              </a:extLst>
+            </p:cNvPr>
+            <p:cNvSpPr/>
+            <p:nvPr/>
+          </p:nvSpPr>
+          <p:spPr>
+            <a:xfrm>
+              <a:off x="0" y="252558"/>
+              <a:ext cx="9144000" cy="4577113"/>
+            </a:xfrm>
+            <a:prstGeom prst="rect">
+              <a:avLst/>
+            </a:prstGeom>
+            <a:solidFill>
+              <a:srgbClr val="A5A7A1"/>
+            </a:solidFill>
+            <a:ln>
+              <a:noFill/>
+            </a:ln>
+          </p:spPr>
+          <p:style>
+            <a:lnRef idx="2">
+              <a:schemeClr val="accent1">
+                <a:shade val="50000"/>
+              </a:schemeClr>
+            </a:lnRef>
+            <a:fillRef idx="1">
+              <a:schemeClr val="accent1"/>
+            </a:fillRef>
+            <a:effectRef idx="0">
+              <a:schemeClr val="accent1"/>
+            </a:effectRef>
+            <a:fontRef idx="minor">
+              <a:schemeClr val="lt1"/>
+            </a:fontRef>
+          </p:style>
+          <p:txBody>
+            <a:bodyPr rtlCol="0" anchor="ctr"/>
+            <a:lstStyle/>
+            <a:p>
+              <a:pPr algn="ctr"/>
+              <a:endParaRPr lang="en-GB" dirty="0"/>
+            </a:p>
+          </p:txBody>
+        </p:sp>
+        <p:sp>
+          <p:nvSpPr>
+            <p:cNvPr id="6" name="Rectangle 5">
+              <a:extLst>
+                <a:ext uri="{FF2B5EF4-FFF2-40B4-BE49-F238E27FC236}">
+                  <a16:creationId xmlns:a16="http://schemas.microsoft.com/office/drawing/2014/main" id="{23D1B05C-9CCE-4095-A6C9-4E122EAF326D}"/>
+                </a:ext>
+              </a:extLst>
+            </p:cNvPr>
+            <p:cNvSpPr/>
+            <p:nvPr/>
+          </p:nvSpPr>
+          <p:spPr>
+            <a:xfrm>
+              <a:off x="1336204" y="357485"/>
+              <a:ext cx="6471643" cy="923330"/>
+            </a:xfrm>
+            <a:prstGeom prst="rect">
+              <a:avLst/>
+            </a:prstGeom>
+            <a:noFill/>
+          </p:spPr>
+          <p:txBody>
+            <a:bodyPr wrap="none" lIns="91440" tIns="45720" rIns="91440" bIns="45720">
+              <a:spAutoFit/>
+            </a:bodyPr>
+            <a:lstStyle/>
+            <a:p>
+              <a:pPr algn="ctr"/>
+              <a:r>
+                <a:rPr lang="en-US" sz="5400" spc="300" dirty="0">
                   <a:ln w="0"/>
                   <a:solidFill>
                     <a:schemeClr val="tx1"/>
@@ -4619,9 +5076,9 @@
                   </a:effectLst>
                   <a:latin typeface="Capture it" panose="02000500000000000000" pitchFamily="2" charset="0"/>
                 </a:rPr>
-                <a:t>Vehicle Servicing</a:t>
+                <a:t>Vehicle Request</a:t>
               </a:r>
-              <a:endParaRPr lang="en-US" sz="5400" cap="none" spc="0" dirty="0">
+              <a:endParaRPr lang="en-US" sz="5400" cap="none" spc="300" dirty="0">
                 <a:ln w="0"/>
                 <a:solidFill>
                   <a:schemeClr val="tx1"/>
@@ -4738,7 +5195,7 @@
       </p:grpSp>
       <p:pic>
         <p:nvPicPr>
-          <p:cNvPr id="10" name="Picture 9" descr="A picture containing kitchenware, clipart&#10;&#10;Description automatically generated">
+          <p:cNvPr id="10" name="Picture 9">
             <a:extLst>
               <a:ext uri="{FF2B5EF4-FFF2-40B4-BE49-F238E27FC236}">
                 <a16:creationId xmlns:a16="http://schemas.microsoft.com/office/drawing/2014/main" id="{E6F1A290-61FD-4F9F-82B8-44C00D3AD0EF}"/>
@@ -4751,47 +5208,14 @@
           <p:nvPr/>
         </p:nvPicPr>
         <p:blipFill>
-          <a:blip r:embed="rId2">
-            <a:extLst>
-              <a:ext uri="{BEBA8EAE-BF5A-486C-A8C5-ECC9F3942E4B}">
-                <a14:imgProps xmlns:a14="http://schemas.microsoft.com/office/drawing/2010/main">
-                  <a14:imgLayer r:embed="rId3">
-                    <a14:imgEffect>
-                      <a14:backgroundRemoval t="6897" b="93103" l="1903" r="96406">
-                        <a14:foregroundMark x1="48626" y1="10000" x2="48626" y2="6897"/>
-                        <a14:foregroundMark x1="35307" y1="44483" x2="35307" y2="44483"/>
-                        <a14:foregroundMark x1="31924" y1="44483" x2="31924" y2="44483"/>
-                        <a14:foregroundMark x1="12896" y1="46552" x2="12896" y2="46552"/>
-                        <a14:foregroundMark x1="15645" y1="47931" x2="27696" y2="60345"/>
-                        <a14:foregroundMark x1="34461" y1="63448" x2="41649" y2="68966"/>
-                        <a14:foregroundMark x1="41649" y1="68966" x2="41649" y2="68966"/>
-                        <a14:foregroundMark x1="42283" y1="72414" x2="44609" y2="74138"/>
-                        <a14:foregroundMark x1="55180" y1="75172" x2="60042" y2="72414"/>
-                        <a14:foregroundMark x1="58351" y1="71379" x2="81395" y2="48966"/>
-                        <a14:foregroundMark x1="83510" y1="48276" x2="87738" y2="47241"/>
-                        <a14:foregroundMark x1="92812" y1="46207" x2="92812" y2="46207"/>
-                        <a14:foregroundMark x1="96617" y1="44138" x2="96617" y2="44138"/>
-                        <a14:foregroundMark x1="69556" y1="44138" x2="69556" y2="44138"/>
-                        <a14:foregroundMark x1="56871" y1="45172" x2="56871" y2="45172"/>
-                        <a14:foregroundMark x1="5708" y1="46207" x2="5708" y2="46207"/>
-                        <a14:foregroundMark x1="1903" y1="43793" x2="1903" y2="43793"/>
-                        <a14:foregroundMark x1="49471" y1="93103" x2="49471" y2="93103"/>
-                        <a14:foregroundMark x1="52431" y1="7241" x2="52431" y2="7241"/>
-                      </a14:backgroundRemoval>
-                    </a14:imgEffect>
-                  </a14:imgLayer>
-                </a14:imgProps>
-              </a:ext>
-            </a:extLst>
-          </a:blip>
-          <a:stretch>
-            <a:fillRect/>
-          </a:stretch>
+          <a:blip r:embed="rId2"/>
+          <a:srcRect/>
+          <a:stretch/>
         </p:blipFill>
         <p:spPr>
           <a:xfrm>
-            <a:off x="2627570" y="1379604"/>
-            <a:ext cx="3888860" cy="2384291"/>
+            <a:off x="2664567" y="1379604"/>
+            <a:ext cx="3814865" cy="2384291"/>
           </a:xfrm>
           <a:prstGeom prst="rect">
             <a:avLst/>
@@ -4801,7 +5225,7 @@
     </p:spTree>
     <p:extLst>
       <p:ext uri="{BB962C8B-B14F-4D97-AF65-F5344CB8AC3E}">
-        <p14:creationId xmlns:p14="http://schemas.microsoft.com/office/powerpoint/2010/main" val="3765789770"/>
+        <p14:creationId xmlns:p14="http://schemas.microsoft.com/office/powerpoint/2010/main" val="303420772"/>
       </p:ext>
     </p:extLst>
   </p:cSld>
@@ -4811,7 +5235,7 @@
 </p:sld>
 </file>
 
-<file path=ppt/slides/slide11.xml><?xml version="1.0" encoding="utf-8"?>
+<file path=ppt/slides/slide13.xml><?xml version="1.0" encoding="utf-8"?>
 <p:sld xmlns:a="http://schemas.openxmlformats.org/drawingml/2006/main" xmlns:r="http://schemas.openxmlformats.org/officeDocument/2006/relationships" xmlns:p="http://schemas.openxmlformats.org/presentationml/2006/main">
   <p:cSld>
     <p:spTree>
@@ -4914,8 +5338,8 @@
           </p:nvSpPr>
           <p:spPr>
             <a:xfrm>
-              <a:off x="2224267" y="357485"/>
-              <a:ext cx="4695517" cy="923330"/>
+              <a:off x="1991034" y="357485"/>
+              <a:ext cx="5161990" cy="923330"/>
             </a:xfrm>
             <a:prstGeom prst="rect">
               <a:avLst/>
@@ -4930,7 +5354,7 @@
             <a:p>
               <a:pPr algn="ctr"/>
               <a:r>
-                <a:rPr lang="en-US" sz="5400" dirty="0">
+                <a:rPr lang="en-US" sz="5400" spc="300" dirty="0">
                   <a:ln w="0"/>
                   <a:solidFill>
                     <a:schemeClr val="tx1"/>
@@ -4944,9 +5368,296 @@
                   </a:effectLst>
                   <a:latin typeface="Capture it" panose="02000500000000000000" pitchFamily="2" charset="0"/>
                 </a:rPr>
-                <a:t>Vehicle Request</a:t>
+                <a:t>Air Servicing</a:t>
               </a:r>
-              <a:endParaRPr lang="en-US" sz="5400" cap="none" spc="0" dirty="0">
+              <a:endParaRPr lang="en-US" sz="5400" cap="none" spc="300" dirty="0">
+                <a:ln w="0"/>
+                <a:solidFill>
+                  <a:schemeClr val="tx1"/>
+                </a:solidFill>
+                <a:effectLst>
+                  <a:outerShdw blurRad="38100" dist="19050" dir="2700000" algn="tl" rotWithShape="0">
+                    <a:schemeClr val="dk1">
+                      <a:alpha val="40000"/>
+                    </a:schemeClr>
+                  </a:outerShdw>
+                </a:effectLst>
+                <a:latin typeface="Capture it" panose="02000500000000000000" pitchFamily="2" charset="0"/>
+              </a:endParaRPr>
+            </a:p>
+          </p:txBody>
+        </p:sp>
+        <p:sp>
+          <p:nvSpPr>
+            <p:cNvPr id="8" name="Rectangle 7">
+              <a:extLst>
+                <a:ext uri="{FF2B5EF4-FFF2-40B4-BE49-F238E27FC236}">
+                  <a16:creationId xmlns:a16="http://schemas.microsoft.com/office/drawing/2014/main" id="{DF3F4C3C-C275-411A-BCE4-D87887C366FB}"/>
+                </a:ext>
+              </a:extLst>
+            </p:cNvPr>
+            <p:cNvSpPr/>
+            <p:nvPr/>
+          </p:nvSpPr>
+          <p:spPr>
+            <a:xfrm>
+              <a:off x="3180439" y="3977748"/>
+              <a:ext cx="2783134" cy="707886"/>
+            </a:xfrm>
+            <a:prstGeom prst="rect">
+              <a:avLst/>
+            </a:prstGeom>
+            <a:noFill/>
+          </p:spPr>
+          <p:txBody>
+            <a:bodyPr wrap="none" lIns="91440" tIns="45720" rIns="91440" bIns="45720">
+              <a:spAutoFit/>
+            </a:bodyPr>
+            <a:lstStyle/>
+            <a:p>
+              <a:pPr algn="ctr"/>
+              <a:r>
+                <a:rPr lang="en-US" sz="4000" spc="300" dirty="0">
+                  <a:ln w="0"/>
+                  <a:solidFill>
+                    <a:schemeClr val="tx1"/>
+                  </a:solidFill>
+                  <a:effectLst>
+                    <a:outerShdw blurRad="38100" dist="19050" dir="2700000" algn="tl" rotWithShape="0">
+                      <a:schemeClr val="dk1">
+                        <a:alpha val="40000"/>
+                      </a:schemeClr>
+                    </a:outerShdw>
+                  </a:effectLst>
+                  <a:latin typeface="Capture it" panose="02000500000000000000" pitchFamily="2" charset="0"/>
+                </a:rPr>
+                <a:t>JHC / RAF</a:t>
+              </a:r>
+              <a:endParaRPr lang="en-US" sz="4000" cap="none" spc="300" dirty="0">
+                <a:ln w="0"/>
+                <a:solidFill>
+                  <a:schemeClr val="tx1"/>
+                </a:solidFill>
+                <a:effectLst>
+                  <a:outerShdw blurRad="38100" dist="19050" dir="2700000" algn="tl" rotWithShape="0">
+                    <a:schemeClr val="dk1">
+                      <a:alpha val="40000"/>
+                    </a:schemeClr>
+                  </a:outerShdw>
+                </a:effectLst>
+                <a:latin typeface="Capture it" panose="02000500000000000000" pitchFamily="2" charset="0"/>
+              </a:endParaRPr>
+            </a:p>
+          </p:txBody>
+        </p:sp>
+      </p:grpSp>
+      <p:pic>
+        <p:nvPicPr>
+          <p:cNvPr id="10" name="Picture 9">
+            <a:extLst>
+              <a:ext uri="{FF2B5EF4-FFF2-40B4-BE49-F238E27FC236}">
+                <a16:creationId xmlns:a16="http://schemas.microsoft.com/office/drawing/2014/main" id="{E6F1A290-61FD-4F9F-82B8-44C00D3AD0EF}"/>
+              </a:ext>
+            </a:extLst>
+          </p:cNvPr>
+          <p:cNvPicPr>
+            <a:picLocks noChangeAspect="1"/>
+          </p:cNvPicPr>
+          <p:nvPr/>
+        </p:nvPicPr>
+        <p:blipFill>
+          <a:blip r:embed="rId2"/>
+          <a:srcRect/>
+          <a:stretch/>
+        </p:blipFill>
+        <p:spPr>
+          <a:xfrm>
+            <a:off x="1687187" y="1280815"/>
+            <a:ext cx="2386121" cy="2386121"/>
+          </a:xfrm>
+          <a:prstGeom prst="rect">
+            <a:avLst/>
+          </a:prstGeom>
+        </p:spPr>
+      </p:pic>
+      <p:pic>
+        <p:nvPicPr>
+          <p:cNvPr id="7" name="Picture 6">
+            <a:extLst>
+              <a:ext uri="{FF2B5EF4-FFF2-40B4-BE49-F238E27FC236}">
+                <a16:creationId xmlns:a16="http://schemas.microsoft.com/office/drawing/2014/main" id="{D4258A1B-5255-4BE7-A496-CD1B98ECE713}"/>
+              </a:ext>
+            </a:extLst>
+          </p:cNvPr>
+          <p:cNvPicPr>
+            <a:picLocks noChangeAspect="1"/>
+          </p:cNvPicPr>
+          <p:nvPr/>
+        </p:nvPicPr>
+        <p:blipFill>
+          <a:blip r:embed="rId3"/>
+          <a:srcRect/>
+          <a:stretch/>
+        </p:blipFill>
+        <p:spPr>
+          <a:xfrm>
+            <a:off x="5070694" y="1704235"/>
+            <a:ext cx="1735030" cy="1735030"/>
+          </a:xfrm>
+          <a:prstGeom prst="rect">
+            <a:avLst/>
+          </a:prstGeom>
+        </p:spPr>
+      </p:pic>
+    </p:spTree>
+    <p:extLst>
+      <p:ext uri="{BB962C8B-B14F-4D97-AF65-F5344CB8AC3E}">
+        <p14:creationId xmlns:p14="http://schemas.microsoft.com/office/powerpoint/2010/main" val="144452247"/>
+      </p:ext>
+    </p:extLst>
+  </p:cSld>
+  <p:clrMapOvr>
+    <a:masterClrMapping/>
+  </p:clrMapOvr>
+</p:sld>
+</file>
+
+<file path=ppt/slides/slide14.xml><?xml version="1.0" encoding="utf-8"?>
+<p:sld xmlns:a="http://schemas.openxmlformats.org/drawingml/2006/main" xmlns:r="http://schemas.openxmlformats.org/officeDocument/2006/relationships" xmlns:p="http://schemas.openxmlformats.org/presentationml/2006/main">
+  <p:cSld>
+    <p:spTree>
+      <p:nvGrpSpPr>
+        <p:cNvPr id="1" name=""/>
+        <p:cNvGrpSpPr/>
+        <p:nvPr/>
+      </p:nvGrpSpPr>
+      <p:grpSpPr>
+        <a:xfrm>
+          <a:off x="0" y="0"/>
+          <a:ext cx="0" cy="0"/>
+          <a:chOff x="0" y="0"/>
+          <a:chExt cx="0" cy="0"/>
+        </a:xfrm>
+      </p:grpSpPr>
+      <p:grpSp>
+        <p:nvGrpSpPr>
+          <p:cNvPr id="4" name="Group 3">
+            <a:extLst>
+              <a:ext uri="{FF2B5EF4-FFF2-40B4-BE49-F238E27FC236}">
+                <a16:creationId xmlns:a16="http://schemas.microsoft.com/office/drawing/2014/main" id="{4FFE0F19-E00C-4848-A6D1-397C956903E2}"/>
+              </a:ext>
+            </a:extLst>
+          </p:cNvPr>
+          <p:cNvGrpSpPr/>
+          <p:nvPr/>
+        </p:nvGrpSpPr>
+        <p:grpSpPr>
+          <a:xfrm>
+            <a:off x="0" y="252558"/>
+            <a:ext cx="9144000" cy="4577113"/>
+            <a:chOff x="0" y="252558"/>
+            <a:chExt cx="9144000" cy="4577113"/>
+          </a:xfrm>
+        </p:grpSpPr>
+        <p:sp>
+          <p:nvSpPr>
+            <p:cNvPr id="5" name="Rectangle 4">
+              <a:extLst>
+                <a:ext uri="{FF2B5EF4-FFF2-40B4-BE49-F238E27FC236}">
+                  <a16:creationId xmlns:a16="http://schemas.microsoft.com/office/drawing/2014/main" id="{95006BC1-BABF-4B37-BC83-146E39302642}"/>
+                </a:ext>
+              </a:extLst>
+            </p:cNvPr>
+            <p:cNvSpPr/>
+            <p:nvPr/>
+          </p:nvSpPr>
+          <p:spPr>
+            <a:xfrm>
+              <a:off x="0" y="252558"/>
+              <a:ext cx="9144000" cy="4577113"/>
+            </a:xfrm>
+            <a:prstGeom prst="rect">
+              <a:avLst/>
+            </a:prstGeom>
+            <a:solidFill>
+              <a:srgbClr val="A5A7A1"/>
+            </a:solidFill>
+            <a:ln>
+              <a:noFill/>
+            </a:ln>
+          </p:spPr>
+          <p:style>
+            <a:lnRef idx="2">
+              <a:schemeClr val="accent1">
+                <a:shade val="50000"/>
+              </a:schemeClr>
+            </a:lnRef>
+            <a:fillRef idx="1">
+              <a:schemeClr val="accent1"/>
+            </a:fillRef>
+            <a:effectRef idx="0">
+              <a:schemeClr val="accent1"/>
+            </a:effectRef>
+            <a:fontRef idx="minor">
+              <a:schemeClr val="lt1"/>
+            </a:fontRef>
+          </p:style>
+          <p:txBody>
+            <a:bodyPr rtlCol="0" anchor="ctr"/>
+            <a:lstStyle/>
+            <a:p>
+              <a:pPr algn="ctr"/>
+              <a:endParaRPr lang="en-GB" dirty="0"/>
+            </a:p>
+          </p:txBody>
+        </p:sp>
+        <p:sp>
+          <p:nvSpPr>
+            <p:cNvPr id="6" name="Rectangle 5">
+              <a:extLst>
+                <a:ext uri="{FF2B5EF4-FFF2-40B4-BE49-F238E27FC236}">
+                  <a16:creationId xmlns:a16="http://schemas.microsoft.com/office/drawing/2014/main" id="{23D1B05C-9CCE-4095-A6C9-4E122EAF326D}"/>
+                </a:ext>
+              </a:extLst>
+            </p:cNvPr>
+            <p:cNvSpPr/>
+            <p:nvPr/>
+          </p:nvSpPr>
+          <p:spPr>
+            <a:xfrm>
+              <a:off x="1991030" y="357485"/>
+              <a:ext cx="5161991" cy="923330"/>
+            </a:xfrm>
+            <a:prstGeom prst="rect">
+              <a:avLst/>
+            </a:prstGeom>
+            <a:noFill/>
+          </p:spPr>
+          <p:txBody>
+            <a:bodyPr wrap="none" lIns="91440" tIns="45720" rIns="91440" bIns="45720">
+              <a:spAutoFit/>
+            </a:bodyPr>
+            <a:lstStyle/>
+            <a:p>
+              <a:pPr algn="ctr"/>
+              <a:r>
+                <a:rPr lang="en-US" sz="5400" spc="300" dirty="0">
+                  <a:ln w="0"/>
+                  <a:solidFill>
+                    <a:schemeClr val="tx1"/>
+                  </a:solidFill>
+                  <a:effectLst>
+                    <a:outerShdw blurRad="38100" dist="19050" dir="2700000" algn="tl" rotWithShape="0">
+                      <a:schemeClr val="dk1">
+                        <a:alpha val="40000"/>
+                      </a:schemeClr>
+                    </a:outerShdw>
+                  </a:effectLst>
+                  <a:latin typeface="Capture it" panose="02000500000000000000" pitchFamily="2" charset="0"/>
+                </a:rPr>
+                <a:t>Air Servicing</a:t>
+              </a:r>
+              <a:endParaRPr lang="en-US" sz="5400" cap="none" spc="300" dirty="0">
                 <a:ln w="0"/>
                 <a:solidFill>
                   <a:schemeClr val="tx1"/>
@@ -5063,7 +5774,7 @@
       </p:grpSp>
       <p:pic>
         <p:nvPicPr>
-          <p:cNvPr id="10" name="Picture 9" descr="A picture containing kitchenware, clipart&#10;&#10;Description automatically generated">
+          <p:cNvPr id="10" name="Picture 9">
             <a:extLst>
               <a:ext uri="{FF2B5EF4-FFF2-40B4-BE49-F238E27FC236}">
                 <a16:creationId xmlns:a16="http://schemas.microsoft.com/office/drawing/2014/main" id="{E6F1A290-61FD-4F9F-82B8-44C00D3AD0EF}"/>
@@ -5076,372 +5787,14 @@
           <p:nvPr/>
         </p:nvPicPr>
         <p:blipFill>
-          <a:blip r:embed="rId2">
-            <a:extLst>
-              <a:ext uri="{BEBA8EAE-BF5A-486C-A8C5-ECC9F3942E4B}">
-                <a14:imgProps xmlns:a14="http://schemas.microsoft.com/office/drawing/2010/main">
-                  <a14:imgLayer r:embed="rId3">
-                    <a14:imgEffect>
-                      <a14:backgroundRemoval t="6897" b="93103" l="1903" r="96406">
-                        <a14:foregroundMark x1="48626" y1="10000" x2="48626" y2="6897"/>
-                        <a14:foregroundMark x1="35307" y1="44483" x2="35307" y2="44483"/>
-                        <a14:foregroundMark x1="31924" y1="44483" x2="31924" y2="44483"/>
-                        <a14:foregroundMark x1="12896" y1="46552" x2="12896" y2="46552"/>
-                        <a14:foregroundMark x1="15645" y1="47931" x2="27696" y2="60345"/>
-                        <a14:foregroundMark x1="34461" y1="63448" x2="41649" y2="68966"/>
-                        <a14:foregroundMark x1="41649" y1="68966" x2="41649" y2="68966"/>
-                        <a14:foregroundMark x1="42283" y1="72414" x2="44609" y2="74138"/>
-                        <a14:foregroundMark x1="55180" y1="75172" x2="60042" y2="72414"/>
-                        <a14:foregroundMark x1="58351" y1="71379" x2="81395" y2="48966"/>
-                        <a14:foregroundMark x1="83510" y1="48276" x2="87738" y2="47241"/>
-                        <a14:foregroundMark x1="92812" y1="46207" x2="92812" y2="46207"/>
-                        <a14:foregroundMark x1="96617" y1="44138" x2="96617" y2="44138"/>
-                        <a14:foregroundMark x1="69556" y1="44138" x2="69556" y2="44138"/>
-                        <a14:foregroundMark x1="56871" y1="45172" x2="56871" y2="45172"/>
-                        <a14:foregroundMark x1="5708" y1="46207" x2="5708" y2="46207"/>
-                        <a14:foregroundMark x1="1903" y1="43793" x2="1903" y2="43793"/>
-                        <a14:foregroundMark x1="49471" y1="93103" x2="49471" y2="93103"/>
-                        <a14:foregroundMark x1="52431" y1="7241" x2="52431" y2="7241"/>
-                      </a14:backgroundRemoval>
-                    </a14:imgEffect>
-                  </a14:imgLayer>
-                </a14:imgProps>
-              </a:ext>
-            </a:extLst>
-          </a:blip>
-          <a:stretch>
-            <a:fillRect/>
-          </a:stretch>
+          <a:blip r:embed="rId2"/>
+          <a:srcRect/>
+          <a:stretch/>
         </p:blipFill>
         <p:spPr>
           <a:xfrm>
-            <a:off x="2627570" y="1379604"/>
-            <a:ext cx="3888860" cy="2384291"/>
-          </a:xfrm>
-          <a:prstGeom prst="rect">
-            <a:avLst/>
-          </a:prstGeom>
-        </p:spPr>
-      </p:pic>
-    </p:spTree>
-    <p:extLst>
-      <p:ext uri="{BB962C8B-B14F-4D97-AF65-F5344CB8AC3E}">
-        <p14:creationId xmlns:p14="http://schemas.microsoft.com/office/powerpoint/2010/main" val="303420772"/>
-      </p:ext>
-    </p:extLst>
-  </p:cSld>
-  <p:clrMapOvr>
-    <a:masterClrMapping/>
-  </p:clrMapOvr>
-</p:sld>
-</file>
-
-<file path=ppt/slides/slide12.xml><?xml version="1.0" encoding="utf-8"?>
-<p:sld xmlns:a="http://schemas.openxmlformats.org/drawingml/2006/main" xmlns:r="http://schemas.openxmlformats.org/officeDocument/2006/relationships" xmlns:p="http://schemas.openxmlformats.org/presentationml/2006/main">
-  <p:cSld>
-    <p:spTree>
-      <p:nvGrpSpPr>
-        <p:cNvPr id="1" name=""/>
-        <p:cNvGrpSpPr/>
-        <p:nvPr/>
-      </p:nvGrpSpPr>
-      <p:grpSpPr>
-        <a:xfrm>
-          <a:off x="0" y="0"/>
-          <a:ext cx="0" cy="0"/>
-          <a:chOff x="0" y="0"/>
-          <a:chExt cx="0" cy="0"/>
-        </a:xfrm>
-      </p:grpSpPr>
-      <p:grpSp>
-        <p:nvGrpSpPr>
-          <p:cNvPr id="4" name="Group 3">
-            <a:extLst>
-              <a:ext uri="{FF2B5EF4-FFF2-40B4-BE49-F238E27FC236}">
-                <a16:creationId xmlns:a16="http://schemas.microsoft.com/office/drawing/2014/main" id="{4FFE0F19-E00C-4848-A6D1-397C956903E2}"/>
-              </a:ext>
-            </a:extLst>
-          </p:cNvPr>
-          <p:cNvGrpSpPr/>
-          <p:nvPr/>
-        </p:nvGrpSpPr>
-        <p:grpSpPr>
-          <a:xfrm>
-            <a:off x="0" y="252558"/>
-            <a:ext cx="9144000" cy="4577113"/>
-            <a:chOff x="0" y="252558"/>
-            <a:chExt cx="9144000" cy="4577113"/>
-          </a:xfrm>
-        </p:grpSpPr>
-        <p:sp>
-          <p:nvSpPr>
-            <p:cNvPr id="5" name="Rectangle 4">
-              <a:extLst>
-                <a:ext uri="{FF2B5EF4-FFF2-40B4-BE49-F238E27FC236}">
-                  <a16:creationId xmlns:a16="http://schemas.microsoft.com/office/drawing/2014/main" id="{95006BC1-BABF-4B37-BC83-146E39302642}"/>
-                </a:ext>
-              </a:extLst>
-            </p:cNvPr>
-            <p:cNvSpPr/>
-            <p:nvPr/>
-          </p:nvSpPr>
-          <p:spPr>
-            <a:xfrm>
-              <a:off x="0" y="252558"/>
-              <a:ext cx="9144000" cy="4577113"/>
-            </a:xfrm>
-            <a:prstGeom prst="rect">
-              <a:avLst/>
-            </a:prstGeom>
-            <a:solidFill>
-              <a:srgbClr val="A5A7A1"/>
-            </a:solidFill>
-            <a:ln>
-              <a:noFill/>
-            </a:ln>
-          </p:spPr>
-          <p:style>
-            <a:lnRef idx="2">
-              <a:schemeClr val="accent1">
-                <a:shade val="50000"/>
-              </a:schemeClr>
-            </a:lnRef>
-            <a:fillRef idx="1">
-              <a:schemeClr val="accent1"/>
-            </a:fillRef>
-            <a:effectRef idx="0">
-              <a:schemeClr val="accent1"/>
-            </a:effectRef>
-            <a:fontRef idx="minor">
-              <a:schemeClr val="lt1"/>
-            </a:fontRef>
-          </p:style>
-          <p:txBody>
-            <a:bodyPr rtlCol="0" anchor="ctr"/>
-            <a:lstStyle/>
-            <a:p>
-              <a:pPr algn="ctr"/>
-              <a:endParaRPr lang="en-GB" dirty="0"/>
-            </a:p>
-          </p:txBody>
-        </p:sp>
-        <p:sp>
-          <p:nvSpPr>
-            <p:cNvPr id="6" name="Rectangle 5">
-              <a:extLst>
-                <a:ext uri="{FF2B5EF4-FFF2-40B4-BE49-F238E27FC236}">
-                  <a16:creationId xmlns:a16="http://schemas.microsoft.com/office/drawing/2014/main" id="{23D1B05C-9CCE-4095-A6C9-4E122EAF326D}"/>
-                </a:ext>
-              </a:extLst>
-            </p:cNvPr>
-            <p:cNvSpPr/>
-            <p:nvPr/>
-          </p:nvSpPr>
-          <p:spPr>
-            <a:xfrm>
-              <a:off x="2742037" y="357485"/>
-              <a:ext cx="3659977" cy="923330"/>
-            </a:xfrm>
-            <a:prstGeom prst="rect">
-              <a:avLst/>
-            </a:prstGeom>
-            <a:noFill/>
-          </p:spPr>
-          <p:txBody>
-            <a:bodyPr wrap="none" lIns="91440" tIns="45720" rIns="91440" bIns="45720">
-              <a:spAutoFit/>
-            </a:bodyPr>
-            <a:lstStyle/>
-            <a:p>
-              <a:pPr algn="ctr"/>
-              <a:r>
-                <a:rPr lang="en-US" sz="5400" dirty="0">
-                  <a:ln w="0"/>
-                  <a:solidFill>
-                    <a:schemeClr val="tx1"/>
-                  </a:solidFill>
-                  <a:effectLst>
-                    <a:outerShdw blurRad="38100" dist="19050" dir="2700000" algn="tl" rotWithShape="0">
-                      <a:schemeClr val="dk1">
-                        <a:alpha val="40000"/>
-                      </a:schemeClr>
-                    </a:outerShdw>
-                  </a:effectLst>
-                  <a:latin typeface="Capture it" panose="02000500000000000000" pitchFamily="2" charset="0"/>
-                </a:rPr>
-                <a:t>Air Servicing</a:t>
-              </a:r>
-              <a:endParaRPr lang="en-US" sz="5400" cap="none" spc="0" dirty="0">
-                <a:ln w="0"/>
-                <a:solidFill>
-                  <a:schemeClr val="tx1"/>
-                </a:solidFill>
-                <a:effectLst>
-                  <a:outerShdw blurRad="38100" dist="19050" dir="2700000" algn="tl" rotWithShape="0">
-                    <a:schemeClr val="dk1">
-                      <a:alpha val="40000"/>
-                    </a:schemeClr>
-                  </a:outerShdw>
-                </a:effectLst>
-                <a:latin typeface="Capture it" panose="02000500000000000000" pitchFamily="2" charset="0"/>
-              </a:endParaRPr>
-            </a:p>
-          </p:txBody>
-        </p:sp>
-        <p:sp>
-          <p:nvSpPr>
-            <p:cNvPr id="8" name="Rectangle 7">
-              <a:extLst>
-                <a:ext uri="{FF2B5EF4-FFF2-40B4-BE49-F238E27FC236}">
-                  <a16:creationId xmlns:a16="http://schemas.microsoft.com/office/drawing/2014/main" id="{DF3F4C3C-C275-411A-BCE4-D87887C366FB}"/>
-                </a:ext>
-              </a:extLst>
-            </p:cNvPr>
-            <p:cNvSpPr/>
-            <p:nvPr/>
-          </p:nvSpPr>
-          <p:spPr>
-            <a:xfrm>
-              <a:off x="2444655" y="3977748"/>
-              <a:ext cx="4254691" cy="707886"/>
-            </a:xfrm>
-            <a:prstGeom prst="rect">
-              <a:avLst/>
-            </a:prstGeom>
-            <a:noFill/>
-          </p:spPr>
-          <p:txBody>
-            <a:bodyPr wrap="none" lIns="91440" tIns="45720" rIns="91440" bIns="45720">
-              <a:spAutoFit/>
-            </a:bodyPr>
-            <a:lstStyle/>
-            <a:p>
-              <a:pPr algn="ctr"/>
-              <a:r>
-                <a:rPr lang="en-US" sz="4000" b="1" spc="300" dirty="0">
-                  <a:ln w="0"/>
-                  <a:solidFill>
-                    <a:schemeClr val="tx1"/>
-                  </a:solidFill>
-                  <a:effectLst>
-                    <a:outerShdw blurRad="38100" dist="19050" dir="2700000" algn="tl" rotWithShape="0">
-                      <a:schemeClr val="dk1">
-                        <a:alpha val="40000"/>
-                      </a:schemeClr>
-                    </a:outerShdw>
-                  </a:effectLst>
-                  <a:latin typeface="Capture it" panose="02000500000000000000" pitchFamily="2" charset="0"/>
-                </a:rPr>
-                <a:t>2</a:t>
-              </a:r>
-              <a:r>
-                <a:rPr lang="en-US" sz="4000" b="1" spc="300" baseline="30000" dirty="0">
-                  <a:ln w="0"/>
-                  <a:solidFill>
-                    <a:schemeClr val="tx1"/>
-                  </a:solidFill>
-                  <a:effectLst>
-                    <a:outerShdw blurRad="38100" dist="19050" dir="2700000" algn="tl" rotWithShape="0">
-                      <a:schemeClr val="dk1">
-                        <a:alpha val="40000"/>
-                      </a:schemeClr>
-                    </a:outerShdw>
-                  </a:effectLst>
-                  <a:latin typeface="Capture it" panose="02000500000000000000" pitchFamily="2" charset="0"/>
-                </a:rPr>
-                <a:t>nd</a:t>
-              </a:r>
-              <a:r>
-                <a:rPr lang="en-US" sz="4000" b="1" spc="300" dirty="0">
-                  <a:ln w="0"/>
-                  <a:solidFill>
-                    <a:schemeClr val="tx1"/>
-                  </a:solidFill>
-                  <a:effectLst>
-                    <a:outerShdw blurRad="38100" dist="19050" dir="2700000" algn="tl" rotWithShape="0">
-                      <a:schemeClr val="dk1">
-                        <a:alpha val="40000"/>
-                      </a:schemeClr>
-                    </a:outerShdw>
-                  </a:effectLst>
-                  <a:latin typeface="Capture it" panose="02000500000000000000" pitchFamily="2" charset="0"/>
-                </a:rPr>
-                <a:t> Bn / 2 PARA</a:t>
-              </a:r>
-              <a:endParaRPr lang="en-US" sz="4000" b="1" cap="none" spc="300" dirty="0">
-                <a:ln w="0"/>
-                <a:solidFill>
-                  <a:schemeClr val="tx1"/>
-                </a:solidFill>
-                <a:effectLst>
-                  <a:outerShdw blurRad="38100" dist="19050" dir="2700000" algn="tl" rotWithShape="0">
-                    <a:schemeClr val="dk1">
-                      <a:alpha val="40000"/>
-                    </a:schemeClr>
-                  </a:outerShdw>
-                </a:effectLst>
-                <a:latin typeface="Capture it" panose="02000500000000000000" pitchFamily="2" charset="0"/>
-              </a:endParaRPr>
-            </a:p>
-          </p:txBody>
-        </p:sp>
-      </p:grpSp>
-      <p:pic>
-        <p:nvPicPr>
-          <p:cNvPr id="10" name="Picture 9" descr="A picture containing kitchenware, clipart&#10;&#10;Description automatically generated">
-            <a:extLst>
-              <a:ext uri="{FF2B5EF4-FFF2-40B4-BE49-F238E27FC236}">
-                <a16:creationId xmlns:a16="http://schemas.microsoft.com/office/drawing/2014/main" id="{E6F1A290-61FD-4F9F-82B8-44C00D3AD0EF}"/>
-              </a:ext>
-            </a:extLst>
-          </p:cNvPr>
-          <p:cNvPicPr>
-            <a:picLocks noChangeAspect="1"/>
-          </p:cNvPicPr>
-          <p:nvPr/>
-        </p:nvPicPr>
-        <p:blipFill>
-          <a:blip r:embed="rId2">
-            <a:extLst>
-              <a:ext uri="{BEBA8EAE-BF5A-486C-A8C5-ECC9F3942E4B}">
-                <a14:imgProps xmlns:a14="http://schemas.microsoft.com/office/drawing/2010/main">
-                  <a14:imgLayer r:embed="rId3">
-                    <a14:imgEffect>
-                      <a14:backgroundRemoval t="6897" b="93103" l="1903" r="96406">
-                        <a14:foregroundMark x1="48626" y1="10000" x2="48626" y2="6897"/>
-                        <a14:foregroundMark x1="35307" y1="44483" x2="35307" y2="44483"/>
-                        <a14:foregroundMark x1="31924" y1="44483" x2="31924" y2="44483"/>
-                        <a14:foregroundMark x1="12896" y1="46552" x2="12896" y2="46552"/>
-                        <a14:foregroundMark x1="15645" y1="47931" x2="27696" y2="60345"/>
-                        <a14:foregroundMark x1="34461" y1="63448" x2="41649" y2="68966"/>
-                        <a14:foregroundMark x1="41649" y1="68966" x2="41649" y2="68966"/>
-                        <a14:foregroundMark x1="42283" y1="72414" x2="44609" y2="74138"/>
-                        <a14:foregroundMark x1="55180" y1="75172" x2="60042" y2="72414"/>
-                        <a14:foregroundMark x1="58351" y1="71379" x2="81395" y2="48966"/>
-                        <a14:foregroundMark x1="83510" y1="48276" x2="87738" y2="47241"/>
-                        <a14:foregroundMark x1="92812" y1="46207" x2="92812" y2="46207"/>
-                        <a14:foregroundMark x1="96617" y1="44138" x2="96617" y2="44138"/>
-                        <a14:foregroundMark x1="69556" y1="44138" x2="69556" y2="44138"/>
-                        <a14:foregroundMark x1="56871" y1="45172" x2="56871" y2="45172"/>
-                        <a14:foregroundMark x1="5708" y1="46207" x2="5708" y2="46207"/>
-                        <a14:foregroundMark x1="1903" y1="43793" x2="1903" y2="43793"/>
-                        <a14:foregroundMark x1="49471" y1="93103" x2="49471" y2="93103"/>
-                        <a14:foregroundMark x1="52431" y1="7241" x2="52431" y2="7241"/>
-                      </a14:backgroundRemoval>
-                    </a14:imgEffect>
-                  </a14:imgLayer>
-                </a14:imgProps>
-              </a:ext>
-            </a:extLst>
-          </a:blip>
-          <a:stretch>
-            <a:fillRect/>
-          </a:stretch>
-        </p:blipFill>
-        <p:spPr>
-          <a:xfrm>
-            <a:off x="2627570" y="1379604"/>
-            <a:ext cx="3888860" cy="2384291"/>
+            <a:off x="2664567" y="1379604"/>
+            <a:ext cx="3814865" cy="2384291"/>
           </a:xfrm>
           <a:prstGeom prst="rect">
             <a:avLst/>
@@ -5461,7 +5814,7 @@
 </p:sld>
 </file>
 
-<file path=ppt/slides/slide13.xml><?xml version="1.0" encoding="utf-8"?>
+<file path=ppt/slides/slide15.xml><?xml version="1.0" encoding="utf-8"?>
 <p:sld xmlns:a="http://schemas.openxmlformats.org/drawingml/2006/main" xmlns:r="http://schemas.openxmlformats.org/officeDocument/2006/relationships" xmlns:p="http://schemas.openxmlformats.org/presentationml/2006/main">
   <p:cSld>
     <p:spTree>
@@ -5719,7 +6072,7 @@
 </p:sld>
 </file>
 
-<file path=ppt/slides/slide14.xml><?xml version="1.0" encoding="utf-8"?>
+<file path=ppt/slides/slide16.xml><?xml version="1.0" encoding="utf-8"?>
 <p:sld xmlns:a="http://schemas.openxmlformats.org/drawingml/2006/main" xmlns:r="http://schemas.openxmlformats.org/officeDocument/2006/relationships" xmlns:p="http://schemas.openxmlformats.org/presentationml/2006/main">
   <p:cSld>
     <p:spTree>
@@ -6006,7 +6359,7 @@
 </p:sld>
 </file>
 
-<file path=ppt/slides/slide15.xml><?xml version="1.0" encoding="utf-8"?>
+<file path=ppt/slides/slide17.xml><?xml version="1.0" encoding="utf-8"?>
 <p:sld xmlns:a="http://schemas.openxmlformats.org/drawingml/2006/main" xmlns:r="http://schemas.openxmlformats.org/officeDocument/2006/relationships" xmlns:p="http://schemas.openxmlformats.org/presentationml/2006/main">
   <p:cSld>
     <p:spTree>
@@ -6314,7 +6667,7 @@
 </p:sld>
 </file>
 
-<file path=ppt/slides/slide16.xml><?xml version="1.0" encoding="utf-8"?>
+<file path=ppt/slides/slide18.xml><?xml version="1.0" encoding="utf-8"?>
 <p:sld xmlns:a="http://schemas.openxmlformats.org/drawingml/2006/main" xmlns:r="http://schemas.openxmlformats.org/officeDocument/2006/relationships" xmlns:p="http://schemas.openxmlformats.org/presentationml/2006/main">
   <p:cSld>
     <p:spTree>
@@ -6589,7 +6942,7 @@
 </p:sld>
 </file>
 
-<file path=ppt/slides/slide17.xml><?xml version="1.0" encoding="utf-8"?>
+<file path=ppt/slides/slide19.xml><?xml version="1.0" encoding="utf-8"?>
 <p:sld xmlns:a="http://schemas.openxmlformats.org/drawingml/2006/main" xmlns:r="http://schemas.openxmlformats.org/officeDocument/2006/relationships" xmlns:p="http://schemas.openxmlformats.org/presentationml/2006/main">
   <p:cSld>
     <p:spTree>
@@ -6755,7 +7108,311 @@
 </p:sld>
 </file>
 
-<file path=ppt/slides/slide18.xml><?xml version="1.0" encoding="utf-8"?>
+<file path=ppt/slides/slide2.xml><?xml version="1.0" encoding="utf-8"?>
+<p:sld xmlns:a="http://schemas.openxmlformats.org/drawingml/2006/main" xmlns:r="http://schemas.openxmlformats.org/officeDocument/2006/relationships" xmlns:p="http://schemas.openxmlformats.org/presentationml/2006/main">
+  <p:cSld>
+    <p:spTree>
+      <p:nvGrpSpPr>
+        <p:cNvPr id="1" name=""/>
+        <p:cNvGrpSpPr/>
+        <p:nvPr/>
+      </p:nvGrpSpPr>
+      <p:grpSpPr>
+        <a:xfrm>
+          <a:off x="0" y="0"/>
+          <a:ext cx="0" cy="0"/>
+          <a:chOff x="0" y="0"/>
+          <a:chExt cx="0" cy="0"/>
+        </a:xfrm>
+      </p:grpSpPr>
+      <p:grpSp>
+        <p:nvGrpSpPr>
+          <p:cNvPr id="4" name="Group 3">
+            <a:extLst>
+              <a:ext uri="{FF2B5EF4-FFF2-40B4-BE49-F238E27FC236}">
+                <a16:creationId xmlns:a16="http://schemas.microsoft.com/office/drawing/2014/main" id="{4FFE0F19-E00C-4848-A6D1-397C956903E2}"/>
+              </a:ext>
+            </a:extLst>
+          </p:cNvPr>
+          <p:cNvGrpSpPr/>
+          <p:nvPr/>
+        </p:nvGrpSpPr>
+        <p:grpSpPr>
+          <a:xfrm>
+            <a:off x="0" y="283193"/>
+            <a:ext cx="9144000" cy="4577113"/>
+            <a:chOff x="0" y="252558"/>
+            <a:chExt cx="9144000" cy="4577113"/>
+          </a:xfrm>
+        </p:grpSpPr>
+        <p:sp>
+          <p:nvSpPr>
+            <p:cNvPr id="5" name="Rectangle 4">
+              <a:extLst>
+                <a:ext uri="{FF2B5EF4-FFF2-40B4-BE49-F238E27FC236}">
+                  <a16:creationId xmlns:a16="http://schemas.microsoft.com/office/drawing/2014/main" id="{95006BC1-BABF-4B37-BC83-146E39302642}"/>
+                </a:ext>
+              </a:extLst>
+            </p:cNvPr>
+            <p:cNvSpPr/>
+            <p:nvPr/>
+          </p:nvSpPr>
+          <p:spPr>
+            <a:xfrm>
+              <a:off x="0" y="252558"/>
+              <a:ext cx="9144000" cy="4577113"/>
+            </a:xfrm>
+            <a:prstGeom prst="rect">
+              <a:avLst/>
+            </a:prstGeom>
+            <a:solidFill>
+              <a:srgbClr val="862544"/>
+            </a:solidFill>
+            <a:ln>
+              <a:noFill/>
+            </a:ln>
+          </p:spPr>
+          <p:style>
+            <a:lnRef idx="2">
+              <a:schemeClr val="accent1">
+                <a:shade val="50000"/>
+              </a:schemeClr>
+            </a:lnRef>
+            <a:fillRef idx="1">
+              <a:schemeClr val="accent1"/>
+            </a:fillRef>
+            <a:effectRef idx="0">
+              <a:schemeClr val="accent1"/>
+            </a:effectRef>
+            <a:fontRef idx="minor">
+              <a:schemeClr val="lt1"/>
+            </a:fontRef>
+          </p:style>
+          <p:txBody>
+            <a:bodyPr rtlCol="0" anchor="ctr"/>
+            <a:lstStyle/>
+            <a:p>
+              <a:pPr algn="ctr"/>
+              <a:endParaRPr lang="en-GB" dirty="0"/>
+            </a:p>
+          </p:txBody>
+        </p:sp>
+        <p:sp>
+          <p:nvSpPr>
+            <p:cNvPr id="6" name="Rectangle 5">
+              <a:extLst>
+                <a:ext uri="{FF2B5EF4-FFF2-40B4-BE49-F238E27FC236}">
+                  <a16:creationId xmlns:a16="http://schemas.microsoft.com/office/drawing/2014/main" id="{23D1B05C-9CCE-4095-A6C9-4E122EAF326D}"/>
+                </a:ext>
+              </a:extLst>
+            </p:cNvPr>
+            <p:cNvSpPr/>
+            <p:nvPr/>
+          </p:nvSpPr>
+          <p:spPr>
+            <a:xfrm>
+              <a:off x="1915690" y="357485"/>
+              <a:ext cx="5312673" cy="923330"/>
+            </a:xfrm>
+            <a:prstGeom prst="rect">
+              <a:avLst/>
+            </a:prstGeom>
+            <a:noFill/>
+          </p:spPr>
+          <p:txBody>
+            <a:bodyPr wrap="none" lIns="91440" tIns="45720" rIns="91440" bIns="45720">
+              <a:spAutoFit/>
+            </a:bodyPr>
+            <a:lstStyle/>
+            <a:p>
+              <a:pPr algn="ctr"/>
+              <a:r>
+                <a:rPr lang="en-US" sz="5400" b="1" spc="300" dirty="0">
+                  <a:ln w="0">
+                    <a:solidFill>
+                      <a:schemeClr val="bg2"/>
+                    </a:solidFill>
+                  </a:ln>
+                  <a:solidFill>
+                    <a:schemeClr val="tx1"/>
+                  </a:solidFill>
+                  <a:effectLst>
+                    <a:outerShdw blurRad="38100" dist="38100" dir="2700000" algn="tl">
+                      <a:srgbClr val="000000">
+                        <a:alpha val="43137"/>
+                      </a:srgbClr>
+                    </a:outerShdw>
+                  </a:effectLst>
+                  <a:latin typeface="Capture it" panose="02000500000000000000" pitchFamily="2" charset="0"/>
+                </a:rPr>
+                <a:t>BATTALION HQ</a:t>
+              </a:r>
+              <a:endParaRPr lang="en-US" sz="5400" b="1" cap="none" spc="300" dirty="0">
+                <a:ln w="0">
+                  <a:solidFill>
+                    <a:schemeClr val="bg2"/>
+                  </a:solidFill>
+                </a:ln>
+                <a:solidFill>
+                  <a:schemeClr val="tx1"/>
+                </a:solidFill>
+                <a:effectLst>
+                  <a:outerShdw blurRad="38100" dist="38100" dir="2700000" algn="tl">
+                    <a:srgbClr val="000000">
+                      <a:alpha val="43137"/>
+                    </a:srgbClr>
+                  </a:outerShdw>
+                </a:effectLst>
+                <a:latin typeface="Capture it" panose="02000500000000000000" pitchFamily="2" charset="0"/>
+              </a:endParaRPr>
+            </a:p>
+          </p:txBody>
+        </p:sp>
+        <p:sp>
+          <p:nvSpPr>
+            <p:cNvPr id="8" name="Rectangle 7">
+              <a:extLst>
+                <a:ext uri="{FF2B5EF4-FFF2-40B4-BE49-F238E27FC236}">
+                  <a16:creationId xmlns:a16="http://schemas.microsoft.com/office/drawing/2014/main" id="{DF3F4C3C-C275-411A-BCE4-D87887C366FB}"/>
+                </a:ext>
+              </a:extLst>
+            </p:cNvPr>
+            <p:cNvSpPr/>
+            <p:nvPr/>
+          </p:nvSpPr>
+          <p:spPr>
+            <a:xfrm>
+              <a:off x="2369316" y="3977748"/>
+              <a:ext cx="4405372" cy="707886"/>
+            </a:xfrm>
+            <a:prstGeom prst="rect">
+              <a:avLst/>
+            </a:prstGeom>
+            <a:noFill/>
+          </p:spPr>
+          <p:txBody>
+            <a:bodyPr wrap="none" lIns="91440" tIns="45720" rIns="91440" bIns="45720">
+              <a:spAutoFit/>
+            </a:bodyPr>
+            <a:lstStyle/>
+            <a:p>
+              <a:pPr algn="ctr"/>
+              <a:r>
+                <a:rPr lang="en-US" sz="4000" spc="300" dirty="0">
+                  <a:ln w="0">
+                    <a:solidFill>
+                      <a:schemeClr val="tx1">
+                        <a:lumMod val="65000"/>
+                        <a:lumOff val="35000"/>
+                      </a:schemeClr>
+                    </a:solidFill>
+                  </a:ln>
+                  <a:solidFill>
+                    <a:schemeClr val="tx1"/>
+                  </a:solidFill>
+                  <a:latin typeface="Segoe UI Semibold" panose="020B0702040204020203" pitchFamily="34" charset="0"/>
+                  <a:cs typeface="Segoe UI Semibold" panose="020B0702040204020203" pitchFamily="34" charset="0"/>
+                </a:rPr>
+                <a:t>2</a:t>
+              </a:r>
+              <a:r>
+                <a:rPr lang="en-US" sz="4000" spc="300" baseline="30000" dirty="0">
+                  <a:ln w="0">
+                    <a:solidFill>
+                      <a:schemeClr val="tx1">
+                        <a:lumMod val="65000"/>
+                        <a:lumOff val="35000"/>
+                      </a:schemeClr>
+                    </a:solidFill>
+                  </a:ln>
+                  <a:solidFill>
+                    <a:schemeClr val="tx1"/>
+                  </a:solidFill>
+                  <a:latin typeface="Segoe UI Semibold" panose="020B0702040204020203" pitchFamily="34" charset="0"/>
+                  <a:cs typeface="Segoe UI Semibold" panose="020B0702040204020203" pitchFamily="34" charset="0"/>
+                </a:rPr>
+                <a:t>nd</a:t>
+              </a:r>
+              <a:r>
+                <a:rPr lang="en-US" sz="4000" spc="300" dirty="0">
+                  <a:ln w="0">
+                    <a:solidFill>
+                      <a:schemeClr val="tx1">
+                        <a:lumMod val="65000"/>
+                        <a:lumOff val="35000"/>
+                      </a:schemeClr>
+                    </a:solidFill>
+                  </a:ln>
+                  <a:solidFill>
+                    <a:schemeClr val="tx1"/>
+                  </a:solidFill>
+                  <a:latin typeface="Segoe UI Semibold" panose="020B0702040204020203" pitchFamily="34" charset="0"/>
+                  <a:cs typeface="Segoe UI Semibold" panose="020B0702040204020203" pitchFamily="34" charset="0"/>
+                </a:rPr>
+                <a:t> Bn / 2 PARA</a:t>
+              </a:r>
+              <a:endParaRPr lang="en-US" sz="4000" cap="none" spc="300" dirty="0">
+                <a:ln w="0">
+                  <a:solidFill>
+                    <a:schemeClr val="tx1">
+                      <a:lumMod val="65000"/>
+                      <a:lumOff val="35000"/>
+                    </a:schemeClr>
+                  </a:solidFill>
+                </a:ln>
+                <a:solidFill>
+                  <a:schemeClr val="tx1"/>
+                </a:solidFill>
+                <a:latin typeface="Segoe UI Semibold" panose="020B0702040204020203" pitchFamily="34" charset="0"/>
+                <a:cs typeface="Segoe UI Semibold" panose="020B0702040204020203" pitchFamily="34" charset="0"/>
+              </a:endParaRPr>
+            </a:p>
+          </p:txBody>
+        </p:sp>
+      </p:grpSp>
+      <p:pic>
+        <p:nvPicPr>
+          <p:cNvPr id="10" name="Picture 9">
+            <a:extLst>
+              <a:ext uri="{FF2B5EF4-FFF2-40B4-BE49-F238E27FC236}">
+                <a16:creationId xmlns:a16="http://schemas.microsoft.com/office/drawing/2014/main" id="{E6F1A290-61FD-4F9F-82B8-44C00D3AD0EF}"/>
+              </a:ext>
+            </a:extLst>
+          </p:cNvPr>
+          <p:cNvPicPr>
+            <a:picLocks noChangeAspect="1"/>
+          </p:cNvPicPr>
+          <p:nvPr/>
+        </p:nvPicPr>
+        <p:blipFill>
+          <a:blip r:embed="rId2"/>
+          <a:srcRect/>
+          <a:stretch/>
+        </p:blipFill>
+        <p:spPr>
+          <a:xfrm>
+            <a:off x="2664567" y="1379604"/>
+            <a:ext cx="3814865" cy="2384291"/>
+          </a:xfrm>
+          <a:prstGeom prst="rect">
+            <a:avLst/>
+          </a:prstGeom>
+        </p:spPr>
+      </p:pic>
+    </p:spTree>
+    <p:extLst>
+      <p:ext uri="{BB962C8B-B14F-4D97-AF65-F5344CB8AC3E}">
+        <p14:creationId xmlns:p14="http://schemas.microsoft.com/office/powerpoint/2010/main" val="497380468"/>
+      </p:ext>
+    </p:extLst>
+  </p:cSld>
+  <p:clrMapOvr>
+    <a:masterClrMapping/>
+  </p:clrMapOvr>
+</p:sld>
+</file>
+
+<file path=ppt/slides/slide20.xml><?xml version="1.0" encoding="utf-8"?>
 <p:sld xmlns:a="http://schemas.openxmlformats.org/drawingml/2006/main" xmlns:r="http://schemas.openxmlformats.org/officeDocument/2006/relationships" xmlns:p="http://schemas.openxmlformats.org/presentationml/2006/main">
   <p:cSld>
     <p:spTree>
@@ -6979,7 +7636,7 @@
 </p:sld>
 </file>
 
-<file path=ppt/slides/slide19.xml><?xml version="1.0" encoding="utf-8"?>
+<file path=ppt/slides/slide21.xml><?xml version="1.0" encoding="utf-8"?>
 <p:sld xmlns:a="http://schemas.openxmlformats.org/drawingml/2006/main" xmlns:r="http://schemas.openxmlformats.org/officeDocument/2006/relationships" xmlns:p="http://schemas.openxmlformats.org/presentationml/2006/main">
   <p:cSld>
     <p:spTree>
@@ -7240,332 +7897,7 @@
 </p:sld>
 </file>
 
-<file path=ppt/slides/slide2.xml><?xml version="1.0" encoding="utf-8"?>
-<p:sld xmlns:a="http://schemas.openxmlformats.org/drawingml/2006/main" xmlns:r="http://schemas.openxmlformats.org/officeDocument/2006/relationships" xmlns:p="http://schemas.openxmlformats.org/presentationml/2006/main">
-  <p:cSld>
-    <p:spTree>
-      <p:nvGrpSpPr>
-        <p:cNvPr id="1" name=""/>
-        <p:cNvGrpSpPr/>
-        <p:nvPr/>
-      </p:nvGrpSpPr>
-      <p:grpSpPr>
-        <a:xfrm>
-          <a:off x="0" y="0"/>
-          <a:ext cx="0" cy="0"/>
-          <a:chOff x="0" y="0"/>
-          <a:chExt cx="0" cy="0"/>
-        </a:xfrm>
-      </p:grpSpPr>
-      <p:grpSp>
-        <p:nvGrpSpPr>
-          <p:cNvPr id="4" name="Group 3">
-            <a:extLst>
-              <a:ext uri="{FF2B5EF4-FFF2-40B4-BE49-F238E27FC236}">
-                <a16:creationId xmlns:a16="http://schemas.microsoft.com/office/drawing/2014/main" id="{4FFE0F19-E00C-4848-A6D1-397C956903E2}"/>
-              </a:ext>
-            </a:extLst>
-          </p:cNvPr>
-          <p:cNvGrpSpPr/>
-          <p:nvPr/>
-        </p:nvGrpSpPr>
-        <p:grpSpPr>
-          <a:xfrm>
-            <a:off x="0" y="252558"/>
-            <a:ext cx="9144000" cy="4577113"/>
-            <a:chOff x="0" y="252558"/>
-            <a:chExt cx="9144000" cy="4577113"/>
-          </a:xfrm>
-        </p:grpSpPr>
-        <p:sp>
-          <p:nvSpPr>
-            <p:cNvPr id="5" name="Rectangle 4">
-              <a:extLst>
-                <a:ext uri="{FF2B5EF4-FFF2-40B4-BE49-F238E27FC236}">
-                  <a16:creationId xmlns:a16="http://schemas.microsoft.com/office/drawing/2014/main" id="{95006BC1-BABF-4B37-BC83-146E39302642}"/>
-                </a:ext>
-              </a:extLst>
-            </p:cNvPr>
-            <p:cNvSpPr/>
-            <p:nvPr/>
-          </p:nvSpPr>
-          <p:spPr>
-            <a:xfrm>
-              <a:off x="0" y="252558"/>
-              <a:ext cx="9144000" cy="4577113"/>
-            </a:xfrm>
-            <a:prstGeom prst="rect">
-              <a:avLst/>
-            </a:prstGeom>
-            <a:solidFill>
-              <a:srgbClr val="A5A7A1"/>
-            </a:solidFill>
-            <a:ln>
-              <a:noFill/>
-            </a:ln>
-          </p:spPr>
-          <p:style>
-            <a:lnRef idx="2">
-              <a:schemeClr val="accent1">
-                <a:shade val="50000"/>
-              </a:schemeClr>
-            </a:lnRef>
-            <a:fillRef idx="1">
-              <a:schemeClr val="accent1"/>
-            </a:fillRef>
-            <a:effectRef idx="0">
-              <a:schemeClr val="accent1"/>
-            </a:effectRef>
-            <a:fontRef idx="minor">
-              <a:schemeClr val="lt1"/>
-            </a:fontRef>
-          </p:style>
-          <p:txBody>
-            <a:bodyPr rtlCol="0" anchor="ctr"/>
-            <a:lstStyle/>
-            <a:p>
-              <a:pPr algn="ctr"/>
-              <a:endParaRPr lang="en-GB" dirty="0"/>
-            </a:p>
-          </p:txBody>
-        </p:sp>
-        <p:sp>
-          <p:nvSpPr>
-            <p:cNvPr id="6" name="Rectangle 5">
-              <a:extLst>
-                <a:ext uri="{FF2B5EF4-FFF2-40B4-BE49-F238E27FC236}">
-                  <a16:creationId xmlns:a16="http://schemas.microsoft.com/office/drawing/2014/main" id="{23D1B05C-9CCE-4095-A6C9-4E122EAF326D}"/>
-                </a:ext>
-              </a:extLst>
-            </p:cNvPr>
-            <p:cNvSpPr/>
-            <p:nvPr/>
-          </p:nvSpPr>
-          <p:spPr>
-            <a:xfrm>
-              <a:off x="2146522" y="357485"/>
-              <a:ext cx="4851008" cy="923330"/>
-            </a:xfrm>
-            <a:prstGeom prst="rect">
-              <a:avLst/>
-            </a:prstGeom>
-            <a:noFill/>
-          </p:spPr>
-          <p:txBody>
-            <a:bodyPr wrap="none" lIns="91440" tIns="45720" rIns="91440" bIns="45720">
-              <a:spAutoFit/>
-            </a:bodyPr>
-            <a:lstStyle/>
-            <a:p>
-              <a:pPr algn="ctr"/>
-              <a:r>
-                <a:rPr lang="en-US" sz="5400" dirty="0">
-                  <a:ln w="0"/>
-                  <a:solidFill>
-                    <a:schemeClr val="tx1"/>
-                  </a:solidFill>
-                  <a:effectLst>
-                    <a:outerShdw blurRad="38100" dist="19050" dir="2700000" algn="tl" rotWithShape="0">
-                      <a:schemeClr val="dk1">
-                        <a:alpha val="40000"/>
-                      </a:schemeClr>
-                    </a:outerShdw>
-                  </a:effectLst>
-                  <a:latin typeface="Capture it" panose="02000500000000000000" pitchFamily="2" charset="0"/>
-                </a:rPr>
-                <a:t>BATTALION HQ</a:t>
-              </a:r>
-              <a:endParaRPr lang="en-US" sz="5400" cap="none" spc="0" dirty="0">
-                <a:ln w="0"/>
-                <a:solidFill>
-                  <a:schemeClr val="tx1"/>
-                </a:solidFill>
-                <a:effectLst>
-                  <a:outerShdw blurRad="38100" dist="19050" dir="2700000" algn="tl" rotWithShape="0">
-                    <a:schemeClr val="dk1">
-                      <a:alpha val="40000"/>
-                    </a:schemeClr>
-                  </a:outerShdw>
-                </a:effectLst>
-                <a:latin typeface="Capture it" panose="02000500000000000000" pitchFamily="2" charset="0"/>
-              </a:endParaRPr>
-            </a:p>
-          </p:txBody>
-        </p:sp>
-        <p:sp>
-          <p:nvSpPr>
-            <p:cNvPr id="8" name="Rectangle 7">
-              <a:extLst>
-                <a:ext uri="{FF2B5EF4-FFF2-40B4-BE49-F238E27FC236}">
-                  <a16:creationId xmlns:a16="http://schemas.microsoft.com/office/drawing/2014/main" id="{DF3F4C3C-C275-411A-BCE4-D87887C366FB}"/>
-                </a:ext>
-              </a:extLst>
-            </p:cNvPr>
-            <p:cNvSpPr/>
-            <p:nvPr/>
-          </p:nvSpPr>
-          <p:spPr>
-            <a:xfrm>
-              <a:off x="1324158" y="3977748"/>
-              <a:ext cx="6495689" cy="707886"/>
-            </a:xfrm>
-            <a:prstGeom prst="rect">
-              <a:avLst/>
-            </a:prstGeom>
-            <a:noFill/>
-          </p:spPr>
-          <p:txBody>
-            <a:bodyPr wrap="none" lIns="91440" tIns="45720" rIns="91440" bIns="45720">
-              <a:spAutoFit/>
-            </a:bodyPr>
-            <a:lstStyle/>
-            <a:p>
-              <a:pPr algn="ctr"/>
-              <a:r>
-                <a:rPr lang="en-US" sz="4000" b="1" spc="300" dirty="0">
-                  <a:ln w="0"/>
-                  <a:solidFill>
-                    <a:schemeClr val="tx1"/>
-                  </a:solidFill>
-                  <a:effectLst>
-                    <a:outerShdw blurRad="38100" dist="19050" dir="2700000" algn="tl" rotWithShape="0">
-                      <a:schemeClr val="dk1">
-                        <a:alpha val="40000"/>
-                      </a:schemeClr>
-                    </a:outerShdw>
-                  </a:effectLst>
-                  <a:latin typeface="Capture it" panose="02000500000000000000" pitchFamily="2" charset="0"/>
-                </a:rPr>
-                <a:t>A Coy / 2</a:t>
-              </a:r>
-              <a:r>
-                <a:rPr lang="en-US" sz="4000" b="1" spc="300" baseline="30000" dirty="0">
-                  <a:ln w="0"/>
-                  <a:solidFill>
-                    <a:schemeClr val="tx1"/>
-                  </a:solidFill>
-                  <a:effectLst>
-                    <a:outerShdw blurRad="38100" dist="19050" dir="2700000" algn="tl" rotWithShape="0">
-                      <a:schemeClr val="dk1">
-                        <a:alpha val="40000"/>
-                      </a:schemeClr>
-                    </a:outerShdw>
-                  </a:effectLst>
-                  <a:latin typeface="Capture it" panose="02000500000000000000" pitchFamily="2" charset="0"/>
-                </a:rPr>
-                <a:t>nd</a:t>
-              </a:r>
-              <a:r>
-                <a:rPr lang="en-US" sz="4000" b="1" spc="300" dirty="0">
-                  <a:ln w="0"/>
-                  <a:solidFill>
-                    <a:schemeClr val="tx1"/>
-                  </a:solidFill>
-                  <a:effectLst>
-                    <a:outerShdw blurRad="38100" dist="19050" dir="2700000" algn="tl" rotWithShape="0">
-                      <a:schemeClr val="dk1">
-                        <a:alpha val="40000"/>
-                      </a:schemeClr>
-                    </a:outerShdw>
-                  </a:effectLst>
-                  <a:latin typeface="Capture it" panose="02000500000000000000" pitchFamily="2" charset="0"/>
-                </a:rPr>
-                <a:t> Bn / 2 PARA</a:t>
-              </a:r>
-              <a:endParaRPr lang="en-US" sz="4000" b="1" cap="none" spc="300" dirty="0">
-                <a:ln w="0"/>
-                <a:solidFill>
-                  <a:schemeClr val="tx1"/>
-                </a:solidFill>
-                <a:effectLst>
-                  <a:outerShdw blurRad="38100" dist="19050" dir="2700000" algn="tl" rotWithShape="0">
-                    <a:schemeClr val="dk1">
-                      <a:alpha val="40000"/>
-                    </a:schemeClr>
-                  </a:outerShdw>
-                </a:effectLst>
-                <a:latin typeface="Capture it" panose="02000500000000000000" pitchFamily="2" charset="0"/>
-              </a:endParaRPr>
-            </a:p>
-          </p:txBody>
-        </p:sp>
-      </p:grpSp>
-      <p:pic>
-        <p:nvPicPr>
-          <p:cNvPr id="10" name="Picture 9" descr="A picture containing kitchenware, clipart&#10;&#10;Description automatically generated">
-            <a:extLst>
-              <a:ext uri="{FF2B5EF4-FFF2-40B4-BE49-F238E27FC236}">
-                <a16:creationId xmlns:a16="http://schemas.microsoft.com/office/drawing/2014/main" id="{E6F1A290-61FD-4F9F-82B8-44C00D3AD0EF}"/>
-              </a:ext>
-            </a:extLst>
-          </p:cNvPr>
-          <p:cNvPicPr>
-            <a:picLocks noChangeAspect="1"/>
-          </p:cNvPicPr>
-          <p:nvPr/>
-        </p:nvPicPr>
-        <p:blipFill>
-          <a:blip r:embed="rId2">
-            <a:extLst>
-              <a:ext uri="{BEBA8EAE-BF5A-486C-A8C5-ECC9F3942E4B}">
-                <a14:imgProps xmlns:a14="http://schemas.microsoft.com/office/drawing/2010/main">
-                  <a14:imgLayer r:embed="rId3">
-                    <a14:imgEffect>
-                      <a14:backgroundRemoval t="6897" b="93103" l="1903" r="96406">
-                        <a14:foregroundMark x1="48626" y1="10000" x2="48626" y2="6897"/>
-                        <a14:foregroundMark x1="35307" y1="44483" x2="35307" y2="44483"/>
-                        <a14:foregroundMark x1="31924" y1="44483" x2="31924" y2="44483"/>
-                        <a14:foregroundMark x1="12896" y1="46552" x2="12896" y2="46552"/>
-                        <a14:foregroundMark x1="15645" y1="47931" x2="27696" y2="60345"/>
-                        <a14:foregroundMark x1="34461" y1="63448" x2="41649" y2="68966"/>
-                        <a14:foregroundMark x1="41649" y1="68966" x2="41649" y2="68966"/>
-                        <a14:foregroundMark x1="42283" y1="72414" x2="44609" y2="74138"/>
-                        <a14:foregroundMark x1="55180" y1="75172" x2="60042" y2="72414"/>
-                        <a14:foregroundMark x1="58351" y1="71379" x2="81395" y2="48966"/>
-                        <a14:foregroundMark x1="83510" y1="48276" x2="87738" y2="47241"/>
-                        <a14:foregroundMark x1="92812" y1="46207" x2="92812" y2="46207"/>
-                        <a14:foregroundMark x1="96617" y1="44138" x2="96617" y2="44138"/>
-                        <a14:foregroundMark x1="69556" y1="44138" x2="69556" y2="44138"/>
-                        <a14:foregroundMark x1="56871" y1="45172" x2="56871" y2="45172"/>
-                        <a14:foregroundMark x1="5708" y1="46207" x2="5708" y2="46207"/>
-                        <a14:foregroundMark x1="1903" y1="43793" x2="1903" y2="43793"/>
-                        <a14:foregroundMark x1="49471" y1="93103" x2="49471" y2="93103"/>
-                        <a14:foregroundMark x1="52431" y1="7241" x2="52431" y2="7241"/>
-                      </a14:backgroundRemoval>
-                    </a14:imgEffect>
-                  </a14:imgLayer>
-                </a14:imgProps>
-              </a:ext>
-            </a:extLst>
-          </a:blip>
-          <a:stretch>
-            <a:fillRect/>
-          </a:stretch>
-        </p:blipFill>
-        <p:spPr>
-          <a:xfrm>
-            <a:off x="2627570" y="1379604"/>
-            <a:ext cx="3888860" cy="2384291"/>
-          </a:xfrm>
-          <a:prstGeom prst="rect">
-            <a:avLst/>
-          </a:prstGeom>
-        </p:spPr>
-      </p:pic>
-    </p:spTree>
-    <p:extLst>
-      <p:ext uri="{BB962C8B-B14F-4D97-AF65-F5344CB8AC3E}">
-        <p14:creationId xmlns:p14="http://schemas.microsoft.com/office/powerpoint/2010/main" val="497380468"/>
-      </p:ext>
-    </p:extLst>
-  </p:cSld>
-  <p:clrMapOvr>
-    <a:masterClrMapping/>
-  </p:clrMapOvr>
-</p:sld>
-</file>
-
-<file path=ppt/slides/slide20.xml><?xml version="1.0" encoding="utf-8"?>
+<file path=ppt/slides/slide22.xml><?xml version="1.0" encoding="utf-8"?>
 <p:sld xmlns:a="http://schemas.openxmlformats.org/drawingml/2006/main" xmlns:r="http://schemas.openxmlformats.org/officeDocument/2006/relationships" xmlns:p="http://schemas.openxmlformats.org/presentationml/2006/main">
   <p:cSld>
     <p:spTree>
@@ -7826,7 +8158,7 @@
 </p:sld>
 </file>
 
-<file path=ppt/slides/slide21.xml><?xml version="1.0" encoding="utf-8"?>
+<file path=ppt/slides/slide23.xml><?xml version="1.0" encoding="utf-8"?>
 <p:sld xmlns:a="http://schemas.openxmlformats.org/drawingml/2006/main" xmlns:r="http://schemas.openxmlformats.org/officeDocument/2006/relationships" xmlns:p="http://schemas.openxmlformats.org/presentationml/2006/main">
   <p:cSld>
     <p:spTree>
@@ -8190,8 +8522,8 @@
           </p:nvSpPr>
           <p:spPr>
             <a:xfrm>
-              <a:off x="2621809" y="357485"/>
-              <a:ext cx="3900428" cy="923330"/>
+              <a:off x="2139312" y="357485"/>
+              <a:ext cx="4865434" cy="923330"/>
             </a:xfrm>
             <a:prstGeom prst="rect">
               <a:avLst/>
@@ -8206,32 +8538,32 @@
             <a:p>
               <a:pPr algn="ctr"/>
               <a:r>
-                <a:rPr lang="en-US" sz="5400" dirty="0">
+                <a:rPr lang="en-US" sz="5400" spc="300" dirty="0">
                   <a:ln w="0"/>
                   <a:solidFill>
                     <a:schemeClr val="tx1"/>
                   </a:solidFill>
                   <a:effectLst>
-                    <a:outerShdw blurRad="38100" dist="19050" dir="2700000" algn="tl" rotWithShape="0">
-                      <a:schemeClr val="dk1">
-                        <a:alpha val="40000"/>
-                      </a:schemeClr>
+                    <a:outerShdw blurRad="38100" dist="38100" dir="2700000" algn="tl">
+                      <a:srgbClr val="000000">
+                        <a:alpha val="43137"/>
+                      </a:srgbClr>
                     </a:outerShdw>
                   </a:effectLst>
                   <a:latin typeface="Capture it" panose="02000500000000000000" pitchFamily="2" charset="0"/>
                 </a:rPr>
-                <a:t>Company HQ</a:t>
+                <a:t>COMPANY HQ</a:t>
               </a:r>
-              <a:endParaRPr lang="en-US" sz="5400" cap="none" spc="0" dirty="0">
+              <a:endParaRPr lang="en-US" sz="5400" cap="none" spc="300" dirty="0">
                 <a:ln w="0"/>
                 <a:solidFill>
                   <a:schemeClr val="tx1"/>
                 </a:solidFill>
                 <a:effectLst>
-                  <a:outerShdw blurRad="38100" dist="19050" dir="2700000" algn="tl" rotWithShape="0">
-                    <a:schemeClr val="dk1">
-                      <a:alpha val="40000"/>
-                    </a:schemeClr>
+                  <a:outerShdw blurRad="38100" dist="38100" dir="2700000" algn="tl">
+                    <a:srgbClr val="000000">
+                      <a:alpha val="43137"/>
+                    </a:srgbClr>
                   </a:outerShdw>
                 </a:effectLst>
                 <a:latin typeface="Capture it" panose="02000500000000000000" pitchFamily="2" charset="0"/>
@@ -8253,7 +8585,7 @@
           </p:nvSpPr>
           <p:spPr>
             <a:xfrm>
-              <a:off x="1324156" y="3977748"/>
+              <a:off x="1324158" y="3977748"/>
               <a:ext cx="6495689" cy="707886"/>
             </a:xfrm>
             <a:prstGeom prst="rect">
@@ -8269,69 +8601,45 @@
             <a:p>
               <a:pPr algn="ctr"/>
               <a:r>
-                <a:rPr lang="en-US" sz="4000" b="1" spc="300" dirty="0">
+                <a:rPr lang="en-US" sz="4000" spc="300" dirty="0">
                   <a:ln w="0"/>
                   <a:solidFill>
                     <a:schemeClr val="tx1"/>
                   </a:solidFill>
-                  <a:effectLst>
-                    <a:outerShdw blurRad="38100" dist="19050" dir="2700000" algn="tl" rotWithShape="0">
-                      <a:schemeClr val="dk1">
-                        <a:alpha val="40000"/>
-                      </a:schemeClr>
-                    </a:outerShdw>
-                  </a:effectLst>
-                  <a:latin typeface="Capture it" panose="02000500000000000000" pitchFamily="2" charset="0"/>
+                  <a:latin typeface="Segoe UI Semibold" panose="020B0702040204020203" pitchFamily="34" charset="0"/>
+                  <a:cs typeface="Segoe UI Semibold" panose="020B0702040204020203" pitchFamily="34" charset="0"/>
                 </a:rPr>
                 <a:t>B Coy / 2</a:t>
               </a:r>
               <a:r>
-                <a:rPr lang="en-US" sz="4000" b="1" spc="300" baseline="30000" dirty="0">
+                <a:rPr lang="en-US" sz="4000" spc="300" baseline="30000" dirty="0">
                   <a:ln w="0"/>
                   <a:solidFill>
                     <a:schemeClr val="tx1"/>
                   </a:solidFill>
-                  <a:effectLst>
-                    <a:outerShdw blurRad="38100" dist="19050" dir="2700000" algn="tl" rotWithShape="0">
-                      <a:schemeClr val="dk1">
-                        <a:alpha val="40000"/>
-                      </a:schemeClr>
-                    </a:outerShdw>
-                  </a:effectLst>
-                  <a:latin typeface="Capture it" panose="02000500000000000000" pitchFamily="2" charset="0"/>
+                  <a:latin typeface="Segoe UI Semibold" panose="020B0702040204020203" pitchFamily="34" charset="0"/>
+                  <a:cs typeface="Segoe UI Semibold" panose="020B0702040204020203" pitchFamily="34" charset="0"/>
                 </a:rPr>
                 <a:t>nd</a:t>
               </a:r>
               <a:r>
-                <a:rPr lang="en-US" sz="4000" b="1" spc="300" dirty="0">
+                <a:rPr lang="en-US" sz="4000" spc="300" dirty="0">
                   <a:ln w="0"/>
                   <a:solidFill>
                     <a:schemeClr val="tx1"/>
                   </a:solidFill>
-                  <a:effectLst>
-                    <a:outerShdw blurRad="38100" dist="19050" dir="2700000" algn="tl" rotWithShape="0">
-                      <a:schemeClr val="dk1">
-                        <a:alpha val="40000"/>
-                      </a:schemeClr>
-                    </a:outerShdw>
-                  </a:effectLst>
-                  <a:latin typeface="Capture it" panose="02000500000000000000" pitchFamily="2" charset="0"/>
+                  <a:latin typeface="Segoe UI Semibold" panose="020B0702040204020203" pitchFamily="34" charset="0"/>
+                  <a:cs typeface="Segoe UI Semibold" panose="020B0702040204020203" pitchFamily="34" charset="0"/>
                 </a:rPr>
                 <a:t> Bn / 2 PARA</a:t>
               </a:r>
-              <a:endParaRPr lang="en-US" sz="4000" b="1" cap="none" spc="300" dirty="0">
+              <a:endParaRPr lang="en-US" sz="4000" cap="none" spc="300" dirty="0">
                 <a:ln w="0"/>
                 <a:solidFill>
                   <a:schemeClr val="tx1"/>
                 </a:solidFill>
-                <a:effectLst>
-                  <a:outerShdw blurRad="38100" dist="19050" dir="2700000" algn="tl" rotWithShape="0">
-                    <a:schemeClr val="dk1">
-                      <a:alpha val="40000"/>
-                    </a:schemeClr>
-                  </a:outerShdw>
-                </a:effectLst>
-                <a:latin typeface="Capture it" panose="02000500000000000000" pitchFamily="2" charset="0"/>
+                <a:latin typeface="Segoe UI Semibold" panose="020B0702040204020203" pitchFamily="34" charset="0"/>
+                <a:cs typeface="Segoe UI Semibold" panose="020B0702040204020203" pitchFamily="34" charset="0"/>
               </a:endParaRPr>
             </a:p>
           </p:txBody>
@@ -8339,7 +8647,7 @@
       </p:grpSp>
       <p:pic>
         <p:nvPicPr>
-          <p:cNvPr id="10" name="Picture 9" descr="A picture containing kitchenware, clipart&#10;&#10;Description automatically generated">
+          <p:cNvPr id="10" name="Picture 9">
             <a:extLst>
               <a:ext uri="{FF2B5EF4-FFF2-40B4-BE49-F238E27FC236}">
                 <a16:creationId xmlns:a16="http://schemas.microsoft.com/office/drawing/2014/main" id="{E6F1A290-61FD-4F9F-82B8-44C00D3AD0EF}"/>
@@ -8352,47 +8660,14 @@
           <p:nvPr/>
         </p:nvPicPr>
         <p:blipFill>
-          <a:blip r:embed="rId2">
-            <a:extLst>
-              <a:ext uri="{BEBA8EAE-BF5A-486C-A8C5-ECC9F3942E4B}">
-                <a14:imgProps xmlns:a14="http://schemas.microsoft.com/office/drawing/2010/main">
-                  <a14:imgLayer r:embed="rId3">
-                    <a14:imgEffect>
-                      <a14:backgroundRemoval t="6897" b="93103" l="1903" r="96406">
-                        <a14:foregroundMark x1="48626" y1="10000" x2="48626" y2="6897"/>
-                        <a14:foregroundMark x1="35307" y1="44483" x2="35307" y2="44483"/>
-                        <a14:foregroundMark x1="31924" y1="44483" x2="31924" y2="44483"/>
-                        <a14:foregroundMark x1="12896" y1="46552" x2="12896" y2="46552"/>
-                        <a14:foregroundMark x1="15645" y1="47931" x2="27696" y2="60345"/>
-                        <a14:foregroundMark x1="34461" y1="63448" x2="41649" y2="68966"/>
-                        <a14:foregroundMark x1="41649" y1="68966" x2="41649" y2="68966"/>
-                        <a14:foregroundMark x1="42283" y1="72414" x2="44609" y2="74138"/>
-                        <a14:foregroundMark x1="55180" y1="75172" x2="60042" y2="72414"/>
-                        <a14:foregroundMark x1="58351" y1="71379" x2="81395" y2="48966"/>
-                        <a14:foregroundMark x1="83510" y1="48276" x2="87738" y2="47241"/>
-                        <a14:foregroundMark x1="92812" y1="46207" x2="92812" y2="46207"/>
-                        <a14:foregroundMark x1="96617" y1="44138" x2="96617" y2="44138"/>
-                        <a14:foregroundMark x1="69556" y1="44138" x2="69556" y2="44138"/>
-                        <a14:foregroundMark x1="56871" y1="45172" x2="56871" y2="45172"/>
-                        <a14:foregroundMark x1="5708" y1="46207" x2="5708" y2="46207"/>
-                        <a14:foregroundMark x1="1903" y1="43793" x2="1903" y2="43793"/>
-                        <a14:foregroundMark x1="49471" y1="93103" x2="49471" y2="93103"/>
-                        <a14:foregroundMark x1="52431" y1="7241" x2="52431" y2="7241"/>
-                      </a14:backgroundRemoval>
-                    </a14:imgEffect>
-                  </a14:imgLayer>
-                </a14:imgProps>
-              </a:ext>
-            </a:extLst>
-          </a:blip>
-          <a:stretch>
-            <a:fillRect/>
-          </a:stretch>
+          <a:blip r:embed="rId2"/>
+          <a:srcRect/>
+          <a:stretch/>
         </p:blipFill>
         <p:spPr>
           <a:xfrm>
-            <a:off x="2627570" y="1379604"/>
-            <a:ext cx="3888860" cy="2384291"/>
+            <a:off x="2664567" y="1379604"/>
+            <a:ext cx="3814865" cy="2384291"/>
           </a:xfrm>
           <a:prstGeom prst="rect">
             <a:avLst/>
@@ -8402,7 +8677,7 @@
     </p:spTree>
     <p:extLst>
       <p:ext uri="{BB962C8B-B14F-4D97-AF65-F5344CB8AC3E}">
-        <p14:creationId xmlns:p14="http://schemas.microsoft.com/office/powerpoint/2010/main" val="2116374999"/>
+        <p14:creationId xmlns:p14="http://schemas.microsoft.com/office/powerpoint/2010/main" val="3576460886"/>
       </p:ext>
     </p:extLst>
   </p:cSld>
@@ -8515,8 +8790,8 @@
           </p:nvSpPr>
           <p:spPr>
             <a:xfrm>
-              <a:off x="1857982" y="357485"/>
-              <a:ext cx="5428089" cy="923330"/>
+              <a:off x="595625" y="357485"/>
+              <a:ext cx="7952819" cy="923330"/>
             </a:xfrm>
             <a:prstGeom prst="rect">
               <a:avLst/>
@@ -8531,32 +8806,32 @@
             <a:p>
               <a:pPr algn="ctr"/>
               <a:r>
-                <a:rPr lang="en-US" sz="5400" dirty="0">
+                <a:rPr lang="en-US" sz="5400" spc="300" dirty="0">
                   <a:ln w="0"/>
                   <a:solidFill>
                     <a:schemeClr val="tx1"/>
                   </a:solidFill>
                   <a:effectLst>
-                    <a:outerShdw blurRad="38100" dist="19050" dir="2700000" algn="tl" rotWithShape="0">
-                      <a:schemeClr val="dk1">
-                        <a:alpha val="40000"/>
-                      </a:schemeClr>
+                    <a:outerShdw blurRad="38100" dist="38100" dir="2700000" algn="tl">
+                      <a:srgbClr val="000000">
+                        <a:alpha val="43137"/>
+                      </a:srgbClr>
                     </a:outerShdw>
                   </a:effectLst>
                   <a:latin typeface="Capture it" panose="02000500000000000000" pitchFamily="2" charset="0"/>
                 </a:rPr>
-                <a:t>1 Platoon Barracks</a:t>
+                <a:t>1 PLATOON BARRACKS</a:t>
               </a:r>
-              <a:endParaRPr lang="en-US" sz="5400" cap="none" spc="0" dirty="0">
+              <a:endParaRPr lang="en-US" sz="5400" cap="none" spc="300" dirty="0">
                 <a:ln w="0"/>
                 <a:solidFill>
                   <a:schemeClr val="tx1"/>
                 </a:solidFill>
                 <a:effectLst>
-                  <a:outerShdw blurRad="38100" dist="19050" dir="2700000" algn="tl" rotWithShape="0">
-                    <a:schemeClr val="dk1">
-                      <a:alpha val="40000"/>
-                    </a:schemeClr>
+                  <a:outerShdw blurRad="38100" dist="38100" dir="2700000" algn="tl">
+                    <a:srgbClr val="000000">
+                      <a:alpha val="43137"/>
+                    </a:srgbClr>
                   </a:outerShdw>
                 </a:effectLst>
                 <a:latin typeface="Capture it" panose="02000500000000000000" pitchFamily="2" charset="0"/>
@@ -8578,7 +8853,7 @@
           </p:nvSpPr>
           <p:spPr>
             <a:xfrm>
-              <a:off x="1324156" y="3977748"/>
+              <a:off x="1324158" y="3977748"/>
               <a:ext cx="6495689" cy="707886"/>
             </a:xfrm>
             <a:prstGeom prst="rect">
@@ -8594,69 +8869,45 @@
             <a:p>
               <a:pPr algn="ctr"/>
               <a:r>
-                <a:rPr lang="en-US" sz="4000" b="1" spc="300" dirty="0">
+                <a:rPr lang="en-US" sz="4000" spc="300" dirty="0">
                   <a:ln w="0"/>
                   <a:solidFill>
                     <a:schemeClr val="tx1"/>
                   </a:solidFill>
-                  <a:effectLst>
-                    <a:outerShdw blurRad="38100" dist="19050" dir="2700000" algn="tl" rotWithShape="0">
-                      <a:schemeClr val="dk1">
-                        <a:alpha val="40000"/>
-                      </a:schemeClr>
-                    </a:outerShdw>
-                  </a:effectLst>
-                  <a:latin typeface="Capture it" panose="02000500000000000000" pitchFamily="2" charset="0"/>
+                  <a:latin typeface="Segoe UI Semibold" panose="020B0702040204020203" pitchFamily="34" charset="0"/>
+                  <a:cs typeface="Segoe UI Semibold" panose="020B0702040204020203" pitchFamily="34" charset="0"/>
                 </a:rPr>
                 <a:t>B Coy / 2</a:t>
               </a:r>
               <a:r>
-                <a:rPr lang="en-US" sz="4000" b="1" spc="300" baseline="30000" dirty="0">
+                <a:rPr lang="en-US" sz="4000" spc="300" baseline="30000" dirty="0">
                   <a:ln w="0"/>
                   <a:solidFill>
                     <a:schemeClr val="tx1"/>
                   </a:solidFill>
-                  <a:effectLst>
-                    <a:outerShdw blurRad="38100" dist="19050" dir="2700000" algn="tl" rotWithShape="0">
-                      <a:schemeClr val="dk1">
-                        <a:alpha val="40000"/>
-                      </a:schemeClr>
-                    </a:outerShdw>
-                  </a:effectLst>
-                  <a:latin typeface="Capture it" panose="02000500000000000000" pitchFamily="2" charset="0"/>
+                  <a:latin typeface="Segoe UI Semibold" panose="020B0702040204020203" pitchFamily="34" charset="0"/>
+                  <a:cs typeface="Segoe UI Semibold" panose="020B0702040204020203" pitchFamily="34" charset="0"/>
                 </a:rPr>
                 <a:t>nd</a:t>
               </a:r>
               <a:r>
-                <a:rPr lang="en-US" sz="4000" b="1" spc="300" dirty="0">
+                <a:rPr lang="en-US" sz="4000" spc="300" dirty="0">
                   <a:ln w="0"/>
                   <a:solidFill>
                     <a:schemeClr val="tx1"/>
                   </a:solidFill>
-                  <a:effectLst>
-                    <a:outerShdw blurRad="38100" dist="19050" dir="2700000" algn="tl" rotWithShape="0">
-                      <a:schemeClr val="dk1">
-                        <a:alpha val="40000"/>
-                      </a:schemeClr>
-                    </a:outerShdw>
-                  </a:effectLst>
-                  <a:latin typeface="Capture it" panose="02000500000000000000" pitchFamily="2" charset="0"/>
+                  <a:latin typeface="Segoe UI Semibold" panose="020B0702040204020203" pitchFamily="34" charset="0"/>
+                  <a:cs typeface="Segoe UI Semibold" panose="020B0702040204020203" pitchFamily="34" charset="0"/>
                 </a:rPr>
                 <a:t> Bn / 2 PARA</a:t>
               </a:r>
-              <a:endParaRPr lang="en-US" sz="4000" b="1" cap="none" spc="300" dirty="0">
+              <a:endParaRPr lang="en-US" sz="4000" cap="none" spc="300" dirty="0">
                 <a:ln w="0"/>
                 <a:solidFill>
                   <a:schemeClr val="tx1"/>
                 </a:solidFill>
-                <a:effectLst>
-                  <a:outerShdw blurRad="38100" dist="19050" dir="2700000" algn="tl" rotWithShape="0">
-                    <a:schemeClr val="dk1">
-                      <a:alpha val="40000"/>
-                    </a:schemeClr>
-                  </a:outerShdw>
-                </a:effectLst>
-                <a:latin typeface="Capture it" panose="02000500000000000000" pitchFamily="2" charset="0"/>
+                <a:latin typeface="Segoe UI Semibold" panose="020B0702040204020203" pitchFamily="34" charset="0"/>
+                <a:cs typeface="Segoe UI Semibold" panose="020B0702040204020203" pitchFamily="34" charset="0"/>
               </a:endParaRPr>
             </a:p>
           </p:txBody>
@@ -8664,7 +8915,7 @@
       </p:grpSp>
       <p:pic>
         <p:nvPicPr>
-          <p:cNvPr id="10" name="Picture 9" descr="A picture containing kitchenware, clipart&#10;&#10;Description automatically generated">
+          <p:cNvPr id="10" name="Picture 9">
             <a:extLst>
               <a:ext uri="{FF2B5EF4-FFF2-40B4-BE49-F238E27FC236}">
                 <a16:creationId xmlns:a16="http://schemas.microsoft.com/office/drawing/2014/main" id="{E6F1A290-61FD-4F9F-82B8-44C00D3AD0EF}"/>
@@ -8677,47 +8928,14 @@
           <p:nvPr/>
         </p:nvPicPr>
         <p:blipFill>
-          <a:blip r:embed="rId2">
-            <a:extLst>
-              <a:ext uri="{BEBA8EAE-BF5A-486C-A8C5-ECC9F3942E4B}">
-                <a14:imgProps xmlns:a14="http://schemas.microsoft.com/office/drawing/2010/main">
-                  <a14:imgLayer r:embed="rId3">
-                    <a14:imgEffect>
-                      <a14:backgroundRemoval t="6897" b="93103" l="1903" r="96406">
-                        <a14:foregroundMark x1="48626" y1="10000" x2="48626" y2="6897"/>
-                        <a14:foregroundMark x1="35307" y1="44483" x2="35307" y2="44483"/>
-                        <a14:foregroundMark x1="31924" y1="44483" x2="31924" y2="44483"/>
-                        <a14:foregroundMark x1="12896" y1="46552" x2="12896" y2="46552"/>
-                        <a14:foregroundMark x1="15645" y1="47931" x2="27696" y2="60345"/>
-                        <a14:foregroundMark x1="34461" y1="63448" x2="41649" y2="68966"/>
-                        <a14:foregroundMark x1="41649" y1="68966" x2="41649" y2="68966"/>
-                        <a14:foregroundMark x1="42283" y1="72414" x2="44609" y2="74138"/>
-                        <a14:foregroundMark x1="55180" y1="75172" x2="60042" y2="72414"/>
-                        <a14:foregroundMark x1="58351" y1="71379" x2="81395" y2="48966"/>
-                        <a14:foregroundMark x1="83510" y1="48276" x2="87738" y2="47241"/>
-                        <a14:foregroundMark x1="92812" y1="46207" x2="92812" y2="46207"/>
-                        <a14:foregroundMark x1="96617" y1="44138" x2="96617" y2="44138"/>
-                        <a14:foregroundMark x1="69556" y1="44138" x2="69556" y2="44138"/>
-                        <a14:foregroundMark x1="56871" y1="45172" x2="56871" y2="45172"/>
-                        <a14:foregroundMark x1="5708" y1="46207" x2="5708" y2="46207"/>
-                        <a14:foregroundMark x1="1903" y1="43793" x2="1903" y2="43793"/>
-                        <a14:foregroundMark x1="49471" y1="93103" x2="49471" y2="93103"/>
-                        <a14:foregroundMark x1="52431" y1="7241" x2="52431" y2="7241"/>
-                      </a14:backgroundRemoval>
-                    </a14:imgEffect>
-                  </a14:imgLayer>
-                </a14:imgProps>
-              </a:ext>
-            </a:extLst>
-          </a:blip>
-          <a:stretch>
-            <a:fillRect/>
-          </a:stretch>
+          <a:blip r:embed="rId2"/>
+          <a:srcRect/>
+          <a:stretch/>
         </p:blipFill>
         <p:spPr>
           <a:xfrm>
-            <a:off x="2627570" y="1379604"/>
-            <a:ext cx="3888860" cy="2384291"/>
+            <a:off x="2664567" y="1379604"/>
+            <a:ext cx="3814865" cy="2384291"/>
           </a:xfrm>
           <a:prstGeom prst="rect">
             <a:avLst/>
@@ -8727,7 +8945,7 @@
     </p:spTree>
     <p:extLst>
       <p:ext uri="{BB962C8B-B14F-4D97-AF65-F5344CB8AC3E}">
-        <p14:creationId xmlns:p14="http://schemas.microsoft.com/office/powerpoint/2010/main" val="1274884405"/>
+        <p14:creationId xmlns:p14="http://schemas.microsoft.com/office/powerpoint/2010/main" val="2832690980"/>
       </p:ext>
     </p:extLst>
   </p:cSld>
@@ -8840,8 +9058,8 @@
           </p:nvSpPr>
           <p:spPr>
             <a:xfrm>
-              <a:off x="1857982" y="357485"/>
-              <a:ext cx="5428089" cy="923330"/>
+              <a:off x="595625" y="357485"/>
+              <a:ext cx="7952819" cy="923330"/>
             </a:xfrm>
             <a:prstGeom prst="rect">
               <a:avLst/>
@@ -8856,32 +9074,32 @@
             <a:p>
               <a:pPr algn="ctr"/>
               <a:r>
-                <a:rPr lang="en-US" sz="5400" dirty="0">
+                <a:rPr lang="en-US" sz="5400" spc="300" dirty="0">
                   <a:ln w="0"/>
                   <a:solidFill>
                     <a:schemeClr val="tx1"/>
                   </a:solidFill>
                   <a:effectLst>
-                    <a:outerShdw blurRad="38100" dist="19050" dir="2700000" algn="tl" rotWithShape="0">
-                      <a:schemeClr val="dk1">
-                        <a:alpha val="40000"/>
-                      </a:schemeClr>
+                    <a:outerShdw blurRad="38100" dist="38100" dir="2700000" algn="tl">
+                      <a:srgbClr val="000000">
+                        <a:alpha val="43137"/>
+                      </a:srgbClr>
                     </a:outerShdw>
                   </a:effectLst>
                   <a:latin typeface="Capture it" panose="02000500000000000000" pitchFamily="2" charset="0"/>
                 </a:rPr>
-                <a:t>2 Platoon Barracks</a:t>
+                <a:t>2 PLATOON BARRACKS</a:t>
               </a:r>
-              <a:endParaRPr lang="en-US" sz="5400" cap="none" spc="0" dirty="0">
+              <a:endParaRPr lang="en-US" sz="5400" cap="none" spc="300" dirty="0">
                 <a:ln w="0"/>
                 <a:solidFill>
                   <a:schemeClr val="tx1"/>
                 </a:solidFill>
                 <a:effectLst>
-                  <a:outerShdw blurRad="38100" dist="19050" dir="2700000" algn="tl" rotWithShape="0">
-                    <a:schemeClr val="dk1">
-                      <a:alpha val="40000"/>
-                    </a:schemeClr>
+                  <a:outerShdw blurRad="38100" dist="38100" dir="2700000" algn="tl">
+                    <a:srgbClr val="000000">
+                      <a:alpha val="43137"/>
+                    </a:srgbClr>
                   </a:outerShdw>
                 </a:effectLst>
                 <a:latin typeface="Capture it" panose="02000500000000000000" pitchFamily="2" charset="0"/>
@@ -8903,7 +9121,7 @@
           </p:nvSpPr>
           <p:spPr>
             <a:xfrm>
-              <a:off x="1324156" y="3977748"/>
+              <a:off x="1324158" y="3977748"/>
               <a:ext cx="6495689" cy="707886"/>
             </a:xfrm>
             <a:prstGeom prst="rect">
@@ -8919,69 +9137,45 @@
             <a:p>
               <a:pPr algn="ctr"/>
               <a:r>
-                <a:rPr lang="en-US" sz="4000" b="1" spc="300" dirty="0">
+                <a:rPr lang="en-US" sz="4000" spc="300" dirty="0">
                   <a:ln w="0"/>
                   <a:solidFill>
                     <a:schemeClr val="tx1"/>
                   </a:solidFill>
-                  <a:effectLst>
-                    <a:outerShdw blurRad="38100" dist="19050" dir="2700000" algn="tl" rotWithShape="0">
-                      <a:schemeClr val="dk1">
-                        <a:alpha val="40000"/>
-                      </a:schemeClr>
-                    </a:outerShdw>
-                  </a:effectLst>
-                  <a:latin typeface="Capture it" panose="02000500000000000000" pitchFamily="2" charset="0"/>
+                  <a:latin typeface="Segoe UI Semibold" panose="020B0702040204020203" pitchFamily="34" charset="0"/>
+                  <a:cs typeface="Segoe UI Semibold" panose="020B0702040204020203" pitchFamily="34" charset="0"/>
                 </a:rPr>
                 <a:t>B Coy / 2</a:t>
               </a:r>
               <a:r>
-                <a:rPr lang="en-US" sz="4000" b="1" spc="300" baseline="30000" dirty="0">
+                <a:rPr lang="en-US" sz="4000" spc="300" baseline="30000" dirty="0">
                   <a:ln w="0"/>
                   <a:solidFill>
                     <a:schemeClr val="tx1"/>
                   </a:solidFill>
-                  <a:effectLst>
-                    <a:outerShdw blurRad="38100" dist="19050" dir="2700000" algn="tl" rotWithShape="0">
-                      <a:schemeClr val="dk1">
-                        <a:alpha val="40000"/>
-                      </a:schemeClr>
-                    </a:outerShdw>
-                  </a:effectLst>
-                  <a:latin typeface="Capture it" panose="02000500000000000000" pitchFamily="2" charset="0"/>
+                  <a:latin typeface="Segoe UI Semibold" panose="020B0702040204020203" pitchFamily="34" charset="0"/>
+                  <a:cs typeface="Segoe UI Semibold" panose="020B0702040204020203" pitchFamily="34" charset="0"/>
                 </a:rPr>
                 <a:t>nd</a:t>
               </a:r>
               <a:r>
-                <a:rPr lang="en-US" sz="4000" b="1" spc="300" dirty="0">
+                <a:rPr lang="en-US" sz="4000" spc="300" dirty="0">
                   <a:ln w="0"/>
                   <a:solidFill>
                     <a:schemeClr val="tx1"/>
                   </a:solidFill>
-                  <a:effectLst>
-                    <a:outerShdw blurRad="38100" dist="19050" dir="2700000" algn="tl" rotWithShape="0">
-                      <a:schemeClr val="dk1">
-                        <a:alpha val="40000"/>
-                      </a:schemeClr>
-                    </a:outerShdw>
-                  </a:effectLst>
-                  <a:latin typeface="Capture it" panose="02000500000000000000" pitchFamily="2" charset="0"/>
+                  <a:latin typeface="Segoe UI Semibold" panose="020B0702040204020203" pitchFamily="34" charset="0"/>
+                  <a:cs typeface="Segoe UI Semibold" panose="020B0702040204020203" pitchFamily="34" charset="0"/>
                 </a:rPr>
                 <a:t> Bn / 2 PARA</a:t>
               </a:r>
-              <a:endParaRPr lang="en-US" sz="4000" b="1" cap="none" spc="300" dirty="0">
+              <a:endParaRPr lang="en-US" sz="4000" cap="none" spc="300" dirty="0">
                 <a:ln w="0"/>
                 <a:solidFill>
                   <a:schemeClr val="tx1"/>
                 </a:solidFill>
-                <a:effectLst>
-                  <a:outerShdw blurRad="38100" dist="19050" dir="2700000" algn="tl" rotWithShape="0">
-                    <a:schemeClr val="dk1">
-                      <a:alpha val="40000"/>
-                    </a:schemeClr>
-                  </a:outerShdw>
-                </a:effectLst>
-                <a:latin typeface="Capture it" panose="02000500000000000000" pitchFamily="2" charset="0"/>
+                <a:latin typeface="Segoe UI Semibold" panose="020B0702040204020203" pitchFamily="34" charset="0"/>
+                <a:cs typeface="Segoe UI Semibold" panose="020B0702040204020203" pitchFamily="34" charset="0"/>
               </a:endParaRPr>
             </a:p>
           </p:txBody>
@@ -8989,7 +9183,7 @@
       </p:grpSp>
       <p:pic>
         <p:nvPicPr>
-          <p:cNvPr id="10" name="Picture 9" descr="A picture containing kitchenware, clipart&#10;&#10;Description automatically generated">
+          <p:cNvPr id="10" name="Picture 9">
             <a:extLst>
               <a:ext uri="{FF2B5EF4-FFF2-40B4-BE49-F238E27FC236}">
                 <a16:creationId xmlns:a16="http://schemas.microsoft.com/office/drawing/2014/main" id="{E6F1A290-61FD-4F9F-82B8-44C00D3AD0EF}"/>
@@ -9002,47 +9196,14 @@
           <p:nvPr/>
         </p:nvPicPr>
         <p:blipFill>
-          <a:blip r:embed="rId2">
-            <a:extLst>
-              <a:ext uri="{BEBA8EAE-BF5A-486C-A8C5-ECC9F3942E4B}">
-                <a14:imgProps xmlns:a14="http://schemas.microsoft.com/office/drawing/2010/main">
-                  <a14:imgLayer r:embed="rId3">
-                    <a14:imgEffect>
-                      <a14:backgroundRemoval t="6897" b="93103" l="1903" r="96406">
-                        <a14:foregroundMark x1="48626" y1="10000" x2="48626" y2="6897"/>
-                        <a14:foregroundMark x1="35307" y1="44483" x2="35307" y2="44483"/>
-                        <a14:foregroundMark x1="31924" y1="44483" x2="31924" y2="44483"/>
-                        <a14:foregroundMark x1="12896" y1="46552" x2="12896" y2="46552"/>
-                        <a14:foregroundMark x1="15645" y1="47931" x2="27696" y2="60345"/>
-                        <a14:foregroundMark x1="34461" y1="63448" x2="41649" y2="68966"/>
-                        <a14:foregroundMark x1="41649" y1="68966" x2="41649" y2="68966"/>
-                        <a14:foregroundMark x1="42283" y1="72414" x2="44609" y2="74138"/>
-                        <a14:foregroundMark x1="55180" y1="75172" x2="60042" y2="72414"/>
-                        <a14:foregroundMark x1="58351" y1="71379" x2="81395" y2="48966"/>
-                        <a14:foregroundMark x1="83510" y1="48276" x2="87738" y2="47241"/>
-                        <a14:foregroundMark x1="92812" y1="46207" x2="92812" y2="46207"/>
-                        <a14:foregroundMark x1="96617" y1="44138" x2="96617" y2="44138"/>
-                        <a14:foregroundMark x1="69556" y1="44138" x2="69556" y2="44138"/>
-                        <a14:foregroundMark x1="56871" y1="45172" x2="56871" y2="45172"/>
-                        <a14:foregroundMark x1="5708" y1="46207" x2="5708" y2="46207"/>
-                        <a14:foregroundMark x1="1903" y1="43793" x2="1903" y2="43793"/>
-                        <a14:foregroundMark x1="49471" y1="93103" x2="49471" y2="93103"/>
-                        <a14:foregroundMark x1="52431" y1="7241" x2="52431" y2="7241"/>
-                      </a14:backgroundRemoval>
-                    </a14:imgEffect>
-                  </a14:imgLayer>
-                </a14:imgProps>
-              </a:ext>
-            </a:extLst>
-          </a:blip>
-          <a:stretch>
-            <a:fillRect/>
-          </a:stretch>
+          <a:blip r:embed="rId2"/>
+          <a:srcRect/>
+          <a:stretch/>
         </p:blipFill>
         <p:spPr>
           <a:xfrm>
-            <a:off x="2627570" y="1379604"/>
-            <a:ext cx="3888860" cy="2384291"/>
+            <a:off x="2664567" y="1379604"/>
+            <a:ext cx="3814865" cy="2384291"/>
           </a:xfrm>
           <a:prstGeom prst="rect">
             <a:avLst/>
@@ -9052,7 +9213,7 @@
     </p:spTree>
     <p:extLst>
       <p:ext uri="{BB962C8B-B14F-4D97-AF65-F5344CB8AC3E}">
-        <p14:creationId xmlns:p14="http://schemas.microsoft.com/office/powerpoint/2010/main" val="1570058367"/>
+        <p14:creationId xmlns:p14="http://schemas.microsoft.com/office/powerpoint/2010/main" val="2184290341"/>
       </p:ext>
     </p:extLst>
   </p:cSld>
@@ -9165,8 +9326,8 @@
           </p:nvSpPr>
           <p:spPr>
             <a:xfrm>
-              <a:off x="1257659" y="357485"/>
-              <a:ext cx="6628739" cy="923330"/>
+              <a:off x="949890" y="357485"/>
+              <a:ext cx="7244291" cy="923330"/>
             </a:xfrm>
             <a:prstGeom prst="rect">
               <a:avLst/>
@@ -9181,32 +9342,32 @@
             <a:p>
               <a:pPr algn="ctr"/>
               <a:r>
-                <a:rPr lang="en-US" sz="5400" dirty="0">
+                <a:rPr lang="en-US" sz="5400" spc="300" dirty="0">
                   <a:ln w="0"/>
                   <a:solidFill>
                     <a:schemeClr val="tx1"/>
                   </a:solidFill>
                   <a:effectLst>
-                    <a:outerShdw blurRad="38100" dist="19050" dir="2700000" algn="tl" rotWithShape="0">
-                      <a:schemeClr val="dk1">
-                        <a:alpha val="40000"/>
-                      </a:schemeClr>
+                    <a:outerShdw blurRad="38100" dist="38100" dir="2700000" algn="tl">
+                      <a:srgbClr val="000000">
+                        <a:alpha val="43137"/>
+                      </a:srgbClr>
                     </a:outerShdw>
                   </a:effectLst>
                   <a:latin typeface="Capture it" panose="02000500000000000000" pitchFamily="2" charset="0"/>
                 </a:rPr>
-                <a:t>A TROOP Barracks</a:t>
+                <a:t>A TROOP BARRACKS</a:t>
               </a:r>
-              <a:endParaRPr lang="en-US" sz="5400" cap="none" spc="0" dirty="0">
+              <a:endParaRPr lang="en-US" sz="5400" cap="none" spc="300" dirty="0">
                 <a:ln w="0"/>
                 <a:solidFill>
                   <a:schemeClr val="tx1"/>
                 </a:solidFill>
                 <a:effectLst>
-                  <a:outerShdw blurRad="38100" dist="19050" dir="2700000" algn="tl" rotWithShape="0">
-                    <a:schemeClr val="dk1">
-                      <a:alpha val="40000"/>
-                    </a:schemeClr>
+                  <a:outerShdw blurRad="38100" dist="38100" dir="2700000" algn="tl">
+                    <a:srgbClr val="000000">
+                      <a:alpha val="43137"/>
+                    </a:srgbClr>
                   </a:outerShdw>
                 </a:effectLst>
                 <a:latin typeface="Capture it" panose="02000500000000000000" pitchFamily="2" charset="0"/>
@@ -9228,8 +9389,8 @@
           </p:nvSpPr>
           <p:spPr>
             <a:xfrm>
-              <a:off x="1570217" y="3977748"/>
-              <a:ext cx="6003567" cy="707886"/>
+              <a:off x="1441981" y="3977748"/>
+              <a:ext cx="6260048" cy="707886"/>
             </a:xfrm>
             <a:prstGeom prst="rect">
               <a:avLst/>
@@ -9244,35 +9405,23 @@
             <a:p>
               <a:pPr algn="ctr"/>
               <a:r>
-                <a:rPr lang="en-US" sz="4000" b="1" spc="300" dirty="0">
+                <a:rPr lang="en-US" sz="4000" spc="300" dirty="0">
                   <a:ln w="0"/>
                   <a:solidFill>
                     <a:schemeClr val="tx1"/>
                   </a:solidFill>
-                  <a:effectLst>
-                    <a:outerShdw blurRad="38100" dist="19050" dir="2700000" algn="tl" rotWithShape="0">
-                      <a:schemeClr val="dk1">
-                        <a:alpha val="40000"/>
-                      </a:schemeClr>
-                    </a:outerShdw>
-                  </a:effectLst>
-                  <a:latin typeface="Capture it" panose="02000500000000000000" pitchFamily="2" charset="0"/>
+                  <a:latin typeface="Segoe UI Semibold" panose="020B0702040204020203" pitchFamily="34" charset="0"/>
+                  <a:cs typeface="Segoe UI Semibold" panose="020B0702040204020203" pitchFamily="34" charset="0"/>
                 </a:rPr>
                 <a:t>D SQN / HCR / 2 PARA</a:t>
               </a:r>
-              <a:endParaRPr lang="en-US" sz="4000" b="1" cap="none" spc="300" dirty="0">
+              <a:endParaRPr lang="en-US" sz="4000" cap="none" spc="300" dirty="0">
                 <a:ln w="0"/>
                 <a:solidFill>
                   <a:schemeClr val="tx1"/>
                 </a:solidFill>
-                <a:effectLst>
-                  <a:outerShdw blurRad="38100" dist="19050" dir="2700000" algn="tl" rotWithShape="0">
-                    <a:schemeClr val="dk1">
-                      <a:alpha val="40000"/>
-                    </a:schemeClr>
-                  </a:outerShdw>
-                </a:effectLst>
-                <a:latin typeface="Capture it" panose="02000500000000000000" pitchFamily="2" charset="0"/>
+                <a:latin typeface="Segoe UI Semibold" panose="020B0702040204020203" pitchFamily="34" charset="0"/>
+                <a:cs typeface="Segoe UI Semibold" panose="020B0702040204020203" pitchFamily="34" charset="0"/>
               </a:endParaRPr>
             </a:p>
           </p:txBody>
@@ -9310,7 +9459,7 @@
     </p:spTree>
     <p:extLst>
       <p:ext uri="{BB962C8B-B14F-4D97-AF65-F5344CB8AC3E}">
-        <p14:creationId xmlns:p14="http://schemas.microsoft.com/office/powerpoint/2010/main" val="2579625571"/>
+        <p14:creationId xmlns:p14="http://schemas.microsoft.com/office/powerpoint/2010/main" val="1804627508"/>
       </p:ext>
     </p:extLst>
   </p:cSld>
@@ -9423,8 +9572,8 @@
           </p:nvSpPr>
           <p:spPr>
             <a:xfrm>
-              <a:off x="3087484" y="357485"/>
-              <a:ext cx="2969083" cy="923330"/>
+              <a:off x="2700371" y="357485"/>
+              <a:ext cx="3743333" cy="923330"/>
             </a:xfrm>
             <a:prstGeom prst="rect">
               <a:avLst/>
@@ -9439,32 +9588,32 @@
             <a:p>
               <a:pPr algn="ctr"/>
               <a:r>
-                <a:rPr lang="en-US" sz="5400" dirty="0">
+                <a:rPr lang="en-US" sz="5400" spc="300" dirty="0">
                   <a:ln w="0"/>
                   <a:solidFill>
                     <a:schemeClr val="tx1"/>
                   </a:solidFill>
                   <a:effectLst>
-                    <a:outerShdw blurRad="38100" dist="19050" dir="2700000" algn="tl" rotWithShape="0">
-                      <a:schemeClr val="dk1">
-                        <a:alpha val="40000"/>
-                      </a:schemeClr>
+                    <a:outerShdw blurRad="38100" dist="38100" dir="2700000" algn="tl">
+                      <a:srgbClr val="000000">
+                        <a:alpha val="43137"/>
+                      </a:srgbClr>
                     </a:outerShdw>
                   </a:effectLst>
                   <a:latin typeface="Capture it" panose="02000500000000000000" pitchFamily="2" charset="0"/>
                 </a:rPr>
-                <a:t>J3 Lounge</a:t>
+                <a:t>J3 LOUNGE</a:t>
               </a:r>
-              <a:endParaRPr lang="en-US" sz="5400" cap="none" spc="0" dirty="0">
+              <a:endParaRPr lang="en-US" sz="5400" cap="none" spc="300" dirty="0">
                 <a:ln w="0"/>
                 <a:solidFill>
                   <a:schemeClr val="tx1"/>
                 </a:solidFill>
                 <a:effectLst>
-                  <a:outerShdw blurRad="38100" dist="19050" dir="2700000" algn="tl" rotWithShape="0">
-                    <a:schemeClr val="dk1">
-                      <a:alpha val="40000"/>
-                    </a:schemeClr>
+                  <a:outerShdw blurRad="38100" dist="38100" dir="2700000" algn="tl">
+                    <a:srgbClr val="000000">
+                      <a:alpha val="43137"/>
+                    </a:srgbClr>
                   </a:outerShdw>
                 </a:effectLst>
                 <a:latin typeface="Capture it" panose="02000500000000000000" pitchFamily="2" charset="0"/>
@@ -9486,8 +9635,8 @@
           </p:nvSpPr>
           <p:spPr>
             <a:xfrm>
-              <a:off x="2411795" y="3977748"/>
-              <a:ext cx="4320413" cy="707886"/>
+              <a:off x="2638620" y="3977748"/>
+              <a:ext cx="3866764" cy="707886"/>
             </a:xfrm>
             <a:prstGeom prst="rect">
               <a:avLst/>
@@ -9502,69 +9651,23 @@
             <a:p>
               <a:pPr algn="ctr"/>
               <a:r>
-                <a:rPr lang="en-US" sz="4000" b="1" spc="300" dirty="0">
+                <a:rPr lang="en-US" sz="4000" spc="300" dirty="0">
                   <a:ln w="0"/>
                   <a:solidFill>
                     <a:schemeClr val="tx1"/>
                   </a:solidFill>
-                  <a:effectLst>
-                    <a:outerShdw blurRad="38100" dist="19050" dir="2700000" algn="tl" rotWithShape="0">
-                      <a:schemeClr val="dk1">
-                        <a:alpha val="40000"/>
-                      </a:schemeClr>
-                    </a:outerShdw>
-                  </a:effectLst>
-                  <a:latin typeface="Capture it" panose="02000500000000000000" pitchFamily="2" charset="0"/>
+                  <a:latin typeface="Segoe UI Semibold" panose="020B0702040204020203" pitchFamily="34" charset="0"/>
+                  <a:cs typeface="Segoe UI Semibold" panose="020B0702040204020203" pitchFamily="34" charset="0"/>
                 </a:rPr>
-                <a:t>1</a:t>
+                <a:t>1 ISR/ 2 PARA</a:t>
               </a:r>
-              <a:r>
-                <a:rPr lang="en-US" sz="4000" b="1" spc="300" baseline="30000" dirty="0">
-                  <a:ln w="0"/>
-                  <a:solidFill>
-                    <a:schemeClr val="tx1"/>
-                  </a:solidFill>
-                  <a:effectLst>
-                    <a:outerShdw blurRad="38100" dist="19050" dir="2700000" algn="tl" rotWithShape="0">
-                      <a:schemeClr val="dk1">
-                        <a:alpha val="40000"/>
-                      </a:schemeClr>
-                    </a:outerShdw>
-                  </a:effectLst>
-                  <a:latin typeface="Capture it" panose="02000500000000000000" pitchFamily="2" charset="0"/>
-                </a:rPr>
-                <a:t>st</a:t>
-              </a:r>
-              <a:r>
-                <a:rPr lang="en-US" sz="4000" b="1" spc="300" dirty="0">
-                  <a:ln w="0"/>
-                  <a:solidFill>
-                    <a:schemeClr val="tx1"/>
-                  </a:solidFill>
-                  <a:effectLst>
-                    <a:outerShdw blurRad="38100" dist="19050" dir="2700000" algn="tl" rotWithShape="0">
-                      <a:schemeClr val="dk1">
-                        <a:alpha val="40000"/>
-                      </a:schemeClr>
-                    </a:outerShdw>
-                  </a:effectLst>
-                  <a:latin typeface="Capture it" panose="02000500000000000000" pitchFamily="2" charset="0"/>
-                </a:rPr>
-                <a:t> ISR / 2 PARA</a:t>
-              </a:r>
-              <a:endParaRPr lang="en-US" sz="4000" b="1" cap="none" spc="300" dirty="0">
+              <a:endParaRPr lang="en-US" sz="4000" cap="none" spc="300" dirty="0">
                 <a:ln w="0"/>
                 <a:solidFill>
                   <a:schemeClr val="tx1"/>
                 </a:solidFill>
-                <a:effectLst>
-                  <a:outerShdw blurRad="38100" dist="19050" dir="2700000" algn="tl" rotWithShape="0">
-                    <a:schemeClr val="dk1">
-                      <a:alpha val="40000"/>
-                    </a:schemeClr>
-                  </a:outerShdw>
-                </a:effectLst>
-                <a:latin typeface="Capture it" panose="02000500000000000000" pitchFamily="2" charset="0"/>
+                <a:latin typeface="Segoe UI Semibold" panose="020B0702040204020203" pitchFamily="34" charset="0"/>
+                <a:cs typeface="Segoe UI Semibold" panose="020B0702040204020203" pitchFamily="34" charset="0"/>
               </a:endParaRPr>
             </a:p>
           </p:txBody>
@@ -9572,10 +9675,10 @@
       </p:grpSp>
       <p:pic>
         <p:nvPicPr>
-          <p:cNvPr id="10" name="Picture 9">
+          <p:cNvPr id="7" name="Picture 6">
             <a:extLst>
               <a:ext uri="{FF2B5EF4-FFF2-40B4-BE49-F238E27FC236}">
-                <a16:creationId xmlns:a16="http://schemas.microsoft.com/office/drawing/2014/main" id="{E6F1A290-61FD-4F9F-82B8-44C00D3AD0EF}"/>
+                <a16:creationId xmlns:a16="http://schemas.microsoft.com/office/drawing/2014/main" id="{8242212A-182C-4200-9F0C-4ABE28F42C21}"/>
               </a:ext>
             </a:extLst>
           </p:cNvPr>
@@ -9585,14 +9688,35 @@
           <p:nvPr/>
         </p:nvPicPr>
         <p:blipFill>
-          <a:blip r:embed="rId2"/>
+          <a:blip r:embed="rId2">
+            <a:extLst>
+              <a:ext uri="{BEBA8EAE-BF5A-486C-A8C5-ECC9F3942E4B}">
+                <a14:imgProps xmlns:a14="http://schemas.microsoft.com/office/drawing/2010/main">
+                  <a14:imgLayer r:embed="rId3">
+                    <a14:imgEffect>
+                      <a14:backgroundRemoval t="4667" b="94667" l="4147" r="96083">
+                        <a14:foregroundMark x1="46774" y1="8000" x2="46774" y2="8000"/>
+                        <a14:foregroundMark x1="7143" y1="43333" x2="7143" y2="43333"/>
+                        <a14:foregroundMark x1="51613" y1="92444" x2="51613" y2="92444"/>
+                        <a14:foregroundMark x1="58525" y1="94667" x2="58525" y2="94667"/>
+                        <a14:foregroundMark x1="93548" y1="49111" x2="93548" y2="49111"/>
+                        <a14:foregroundMark x1="96083" y1="49778" x2="96083" y2="49778"/>
+                        <a14:foregroundMark x1="49770" y1="4667" x2="49770" y2="4667"/>
+                        <a14:foregroundMark x1="4147" y1="55556" x2="4147" y2="55556"/>
+                      </a14:backgroundRemoval>
+                    </a14:imgEffect>
+                  </a14:imgLayer>
+                </a14:imgProps>
+              </a:ext>
+            </a:extLst>
+          </a:blip>
           <a:srcRect/>
           <a:stretch/>
         </p:blipFill>
         <p:spPr>
           <a:xfrm>
-            <a:off x="3379854" y="1379604"/>
-            <a:ext cx="2384291" cy="2384291"/>
+            <a:off x="3422242" y="1379604"/>
+            <a:ext cx="2299516" cy="2384291"/>
           </a:xfrm>
           <a:prstGeom prst="rect">
             <a:avLst/>
@@ -9602,7 +9726,7 @@
     </p:spTree>
     <p:extLst>
       <p:ext uri="{BB962C8B-B14F-4D97-AF65-F5344CB8AC3E}">
-        <p14:creationId xmlns:p14="http://schemas.microsoft.com/office/powerpoint/2010/main" val="1098362932"/>
+        <p14:creationId xmlns:p14="http://schemas.microsoft.com/office/powerpoint/2010/main" val="1073040422"/>
       </p:ext>
     </p:extLst>
   </p:cSld>
@@ -9715,8 +9839,8 @@
           </p:nvSpPr>
           <p:spPr>
             <a:xfrm>
-              <a:off x="3238965" y="357485"/>
-              <a:ext cx="2666115" cy="923330"/>
+              <a:off x="1482891" y="357485"/>
+              <a:ext cx="6178294" cy="923330"/>
             </a:xfrm>
             <a:prstGeom prst="rect">
               <a:avLst/>
@@ -9731,32 +9855,32 @@
             <a:p>
               <a:pPr algn="ctr"/>
               <a:r>
-                <a:rPr lang="en-US" sz="5400" dirty="0">
+                <a:rPr lang="en-US" sz="5400" spc="300" dirty="0">
                   <a:ln w="0"/>
                   <a:solidFill>
                     <a:schemeClr val="tx1"/>
                   </a:solidFill>
                   <a:effectLst>
-                    <a:outerShdw blurRad="38100" dist="19050" dir="2700000" algn="tl" rotWithShape="0">
-                      <a:schemeClr val="dk1">
-                        <a:alpha val="40000"/>
-                      </a:schemeClr>
+                    <a:outerShdw blurRad="38100" dist="38100" dir="2700000" algn="tl">
+                      <a:srgbClr val="000000">
+                        <a:alpha val="43137"/>
+                      </a:srgbClr>
                     </a:outerShdw>
                   </a:effectLst>
                   <a:latin typeface="Capture it" panose="02000500000000000000" pitchFamily="2" charset="0"/>
                 </a:rPr>
-                <a:t>Armoury</a:t>
+                <a:t>MEDICAL CENTRE</a:t>
               </a:r>
-              <a:endParaRPr lang="en-US" sz="5400" cap="none" spc="0" dirty="0">
+              <a:endParaRPr lang="en-US" sz="5400" cap="none" spc="300" dirty="0">
                 <a:ln w="0"/>
                 <a:solidFill>
                   <a:schemeClr val="tx1"/>
                 </a:solidFill>
                 <a:effectLst>
-                  <a:outerShdw blurRad="38100" dist="19050" dir="2700000" algn="tl" rotWithShape="0">
-                    <a:schemeClr val="dk1">
-                      <a:alpha val="40000"/>
-                    </a:schemeClr>
+                  <a:outerShdw blurRad="38100" dist="38100" dir="2700000" algn="tl">
+                    <a:srgbClr val="000000">
+                      <a:alpha val="43137"/>
+                    </a:srgbClr>
                   </a:outerShdw>
                 </a:effectLst>
                 <a:latin typeface="Capture it" panose="02000500000000000000" pitchFamily="2" charset="0"/>
@@ -9778,8 +9902,8 @@
           </p:nvSpPr>
           <p:spPr>
             <a:xfrm>
-              <a:off x="2444655" y="3977748"/>
-              <a:ext cx="4254691" cy="707886"/>
+              <a:off x="2044708" y="3977748"/>
+              <a:ext cx="5054590" cy="707886"/>
             </a:xfrm>
             <a:prstGeom prst="rect">
               <a:avLst/>
@@ -9794,69 +9918,23 @@
             <a:p>
               <a:pPr algn="ctr"/>
               <a:r>
-                <a:rPr lang="en-US" sz="4000" b="1" spc="300" dirty="0">
+                <a:rPr lang="en-US" sz="4000" spc="300" dirty="0">
                   <a:ln w="0"/>
                   <a:solidFill>
                     <a:schemeClr val="tx1"/>
                   </a:solidFill>
-                  <a:effectLst>
-                    <a:outerShdw blurRad="38100" dist="19050" dir="2700000" algn="tl" rotWithShape="0">
-                      <a:schemeClr val="dk1">
-                        <a:alpha val="40000"/>
-                      </a:schemeClr>
-                    </a:outerShdw>
-                  </a:effectLst>
-                  <a:latin typeface="Capture it" panose="02000500000000000000" pitchFamily="2" charset="0"/>
+                  <a:latin typeface="Segoe UI Semibold" panose="020B0702040204020203" pitchFamily="34" charset="0"/>
+                  <a:cs typeface="Segoe UI Semibold" panose="020B0702040204020203" pitchFamily="34" charset="0"/>
                 </a:rPr>
-                <a:t>2</a:t>
+                <a:t>16 CSMR / 2 PARA</a:t>
               </a:r>
-              <a:r>
-                <a:rPr lang="en-US" sz="4000" b="1" spc="300" baseline="30000" dirty="0">
-                  <a:ln w="0"/>
-                  <a:solidFill>
-                    <a:schemeClr val="tx1"/>
-                  </a:solidFill>
-                  <a:effectLst>
-                    <a:outerShdw blurRad="38100" dist="19050" dir="2700000" algn="tl" rotWithShape="0">
-                      <a:schemeClr val="dk1">
-                        <a:alpha val="40000"/>
-                      </a:schemeClr>
-                    </a:outerShdw>
-                  </a:effectLst>
-                  <a:latin typeface="Capture it" panose="02000500000000000000" pitchFamily="2" charset="0"/>
-                </a:rPr>
-                <a:t>nd</a:t>
-              </a:r>
-              <a:r>
-                <a:rPr lang="en-US" sz="4000" b="1" spc="300" dirty="0">
-                  <a:ln w="0"/>
-                  <a:solidFill>
-                    <a:schemeClr val="tx1"/>
-                  </a:solidFill>
-                  <a:effectLst>
-                    <a:outerShdw blurRad="38100" dist="19050" dir="2700000" algn="tl" rotWithShape="0">
-                      <a:schemeClr val="dk1">
-                        <a:alpha val="40000"/>
-                      </a:schemeClr>
-                    </a:outerShdw>
-                  </a:effectLst>
-                  <a:latin typeface="Capture it" panose="02000500000000000000" pitchFamily="2" charset="0"/>
-                </a:rPr>
-                <a:t> Bn / 2 PARA</a:t>
-              </a:r>
-              <a:endParaRPr lang="en-US" sz="4000" b="1" cap="none" spc="300" dirty="0">
+              <a:endParaRPr lang="en-US" sz="4000" cap="none" spc="300" dirty="0">
                 <a:ln w="0"/>
                 <a:solidFill>
                   <a:schemeClr val="tx1"/>
                 </a:solidFill>
-                <a:effectLst>
-                  <a:outerShdw blurRad="38100" dist="19050" dir="2700000" algn="tl" rotWithShape="0">
-                    <a:schemeClr val="dk1">
-                      <a:alpha val="40000"/>
-                    </a:schemeClr>
-                  </a:outerShdw>
-                </a:effectLst>
-                <a:latin typeface="Capture it" panose="02000500000000000000" pitchFamily="2" charset="0"/>
+                <a:latin typeface="Segoe UI Semibold" panose="020B0702040204020203" pitchFamily="34" charset="0"/>
+                <a:cs typeface="Segoe UI Semibold" panose="020B0702040204020203" pitchFamily="34" charset="0"/>
               </a:endParaRPr>
             </a:p>
           </p:txBody>
@@ -9864,7 +9942,7 @@
       </p:grpSp>
       <p:pic>
         <p:nvPicPr>
-          <p:cNvPr id="10" name="Picture 9" descr="A picture containing kitchenware, clipart&#10;&#10;Description automatically generated">
+          <p:cNvPr id="10" name="Picture 9">
             <a:extLst>
               <a:ext uri="{FF2B5EF4-FFF2-40B4-BE49-F238E27FC236}">
                 <a16:creationId xmlns:a16="http://schemas.microsoft.com/office/drawing/2014/main" id="{E6F1A290-61FD-4F9F-82B8-44C00D3AD0EF}"/>
@@ -9877,47 +9955,14 @@
           <p:nvPr/>
         </p:nvPicPr>
         <p:blipFill>
-          <a:blip r:embed="rId2">
-            <a:extLst>
-              <a:ext uri="{BEBA8EAE-BF5A-486C-A8C5-ECC9F3942E4B}">
-                <a14:imgProps xmlns:a14="http://schemas.microsoft.com/office/drawing/2010/main">
-                  <a14:imgLayer r:embed="rId3">
-                    <a14:imgEffect>
-                      <a14:backgroundRemoval t="6897" b="93103" l="1903" r="96406">
-                        <a14:foregroundMark x1="48626" y1="10000" x2="48626" y2="6897"/>
-                        <a14:foregroundMark x1="35307" y1="44483" x2="35307" y2="44483"/>
-                        <a14:foregroundMark x1="31924" y1="44483" x2="31924" y2="44483"/>
-                        <a14:foregroundMark x1="12896" y1="46552" x2="12896" y2="46552"/>
-                        <a14:foregroundMark x1="15645" y1="47931" x2="27696" y2="60345"/>
-                        <a14:foregroundMark x1="34461" y1="63448" x2="41649" y2="68966"/>
-                        <a14:foregroundMark x1="41649" y1="68966" x2="41649" y2="68966"/>
-                        <a14:foregroundMark x1="42283" y1="72414" x2="44609" y2="74138"/>
-                        <a14:foregroundMark x1="55180" y1="75172" x2="60042" y2="72414"/>
-                        <a14:foregroundMark x1="58351" y1="71379" x2="81395" y2="48966"/>
-                        <a14:foregroundMark x1="83510" y1="48276" x2="87738" y2="47241"/>
-                        <a14:foregroundMark x1="92812" y1="46207" x2="92812" y2="46207"/>
-                        <a14:foregroundMark x1="96617" y1="44138" x2="96617" y2="44138"/>
-                        <a14:foregroundMark x1="69556" y1="44138" x2="69556" y2="44138"/>
-                        <a14:foregroundMark x1="56871" y1="45172" x2="56871" y2="45172"/>
-                        <a14:foregroundMark x1="5708" y1="46207" x2="5708" y2="46207"/>
-                        <a14:foregroundMark x1="1903" y1="43793" x2="1903" y2="43793"/>
-                        <a14:foregroundMark x1="49471" y1="93103" x2="49471" y2="93103"/>
-                        <a14:foregroundMark x1="52431" y1="7241" x2="52431" y2="7241"/>
-                      </a14:backgroundRemoval>
-                    </a14:imgEffect>
-                  </a14:imgLayer>
-                </a14:imgProps>
-              </a:ext>
-            </a:extLst>
-          </a:blip>
-          <a:stretch>
-            <a:fillRect/>
-          </a:stretch>
+          <a:blip r:embed="rId2"/>
+          <a:srcRect/>
+          <a:stretch/>
         </p:blipFill>
         <p:spPr>
           <a:xfrm>
-            <a:off x="2627570" y="1379604"/>
-            <a:ext cx="3888860" cy="2384291"/>
+            <a:off x="3379854" y="1379604"/>
+            <a:ext cx="2384291" cy="2384291"/>
           </a:xfrm>
           <a:prstGeom prst="rect">
             <a:avLst/>
@@ -9927,7 +9972,7 @@
     </p:spTree>
     <p:extLst>
       <p:ext uri="{BB962C8B-B14F-4D97-AF65-F5344CB8AC3E}">
-        <p14:creationId xmlns:p14="http://schemas.microsoft.com/office/powerpoint/2010/main" val="3805173672"/>
+        <p14:creationId xmlns:p14="http://schemas.microsoft.com/office/powerpoint/2010/main" val="1357884237"/>
       </p:ext>
     </p:extLst>
   </p:cSld>
@@ -9968,9 +10013,9 @@
         </p:nvGrpSpPr>
         <p:grpSpPr>
           <a:xfrm>
-            <a:off x="0" y="283193"/>
+            <a:off x="0" y="252558"/>
             <a:ext cx="9144000" cy="4577113"/>
-            <a:chOff x="0" y="283193"/>
+            <a:chOff x="0" y="252558"/>
             <a:chExt cx="9144000" cy="4577113"/>
           </a:xfrm>
         </p:grpSpPr>
@@ -9988,7 +10033,7 @@
           </p:nvSpPr>
           <p:spPr>
             <a:xfrm>
-              <a:off x="0" y="283193"/>
+              <a:off x="0" y="252558"/>
               <a:ext cx="9144000" cy="4577113"/>
             </a:xfrm>
             <a:prstGeom prst="rect">
@@ -10040,8 +10085,8 @@
           </p:nvSpPr>
           <p:spPr>
             <a:xfrm>
-              <a:off x="2331667" y="357485"/>
-              <a:ext cx="4480715" cy="923330"/>
+              <a:off x="2809373" y="357485"/>
+              <a:ext cx="3525324" cy="923330"/>
             </a:xfrm>
             <a:prstGeom prst="rect">
               <a:avLst/>
@@ -10056,32 +10101,32 @@
             <a:p>
               <a:pPr algn="ctr"/>
               <a:r>
-                <a:rPr lang="en-US" sz="5400" dirty="0">
+                <a:rPr lang="en-US" sz="5400" spc="300" dirty="0">
                   <a:ln w="0"/>
                   <a:solidFill>
                     <a:schemeClr val="tx1"/>
                   </a:solidFill>
                   <a:effectLst>
-                    <a:outerShdw blurRad="38100" dist="19050" dir="2700000" algn="tl" rotWithShape="0">
-                      <a:schemeClr val="dk1">
-                        <a:alpha val="40000"/>
-                      </a:schemeClr>
+                    <a:outerShdw blurRad="38100" dist="38100" dir="2700000" algn="tl">
+                      <a:srgbClr val="000000">
+                        <a:alpha val="43137"/>
+                      </a:srgbClr>
                     </a:outerShdw>
                   </a:effectLst>
                   <a:latin typeface="Capture it" panose="02000500000000000000" pitchFamily="2" charset="0"/>
                 </a:rPr>
-                <a:t>Medical Centre</a:t>
+                <a:t>ARMOURY</a:t>
               </a:r>
-              <a:endParaRPr lang="en-US" sz="5400" cap="none" spc="0" dirty="0">
+              <a:endParaRPr lang="en-US" sz="5400" cap="none" spc="300" dirty="0">
                 <a:ln w="0"/>
                 <a:solidFill>
                   <a:schemeClr val="tx1"/>
                 </a:solidFill>
                 <a:effectLst>
-                  <a:outerShdw blurRad="38100" dist="19050" dir="2700000" algn="tl" rotWithShape="0">
-                    <a:schemeClr val="dk1">
-                      <a:alpha val="40000"/>
-                    </a:schemeClr>
+                  <a:outerShdw blurRad="38100" dist="38100" dir="2700000" algn="tl">
+                    <a:srgbClr val="000000">
+                      <a:alpha val="43137"/>
+                    </a:srgbClr>
                   </a:outerShdw>
                 </a:effectLst>
                 <a:latin typeface="Capture it" panose="02000500000000000000" pitchFamily="2" charset="0"/>
@@ -10103,8 +10148,8 @@
           </p:nvSpPr>
           <p:spPr>
             <a:xfrm>
-              <a:off x="2444655" y="3977748"/>
-              <a:ext cx="4254691" cy="707886"/>
+              <a:off x="3497028" y="3977748"/>
+              <a:ext cx="2149948" cy="707886"/>
             </a:xfrm>
             <a:prstGeom prst="rect">
               <a:avLst/>
@@ -10119,69 +10164,23 @@
             <a:p>
               <a:pPr algn="ctr"/>
               <a:r>
-                <a:rPr lang="en-US" sz="4000" b="1" spc="300" dirty="0">
+                <a:rPr lang="en-US" sz="4000" spc="300" dirty="0">
                   <a:ln w="0"/>
                   <a:solidFill>
                     <a:schemeClr val="tx1"/>
                   </a:solidFill>
-                  <a:effectLst>
-                    <a:outerShdw blurRad="38100" dist="19050" dir="2700000" algn="tl" rotWithShape="0">
-                      <a:schemeClr val="dk1">
-                        <a:alpha val="40000"/>
-                      </a:schemeClr>
-                    </a:outerShdw>
-                  </a:effectLst>
-                  <a:latin typeface="Capture it" panose="02000500000000000000" pitchFamily="2" charset="0"/>
+                  <a:latin typeface="Segoe UI Semibold" panose="020B0702040204020203" pitchFamily="34" charset="0"/>
+                  <a:cs typeface="Segoe UI Semibold" panose="020B0702040204020203" pitchFamily="34" charset="0"/>
                 </a:rPr>
-                <a:t>2</a:t>
+                <a:t>2 PARA</a:t>
               </a:r>
-              <a:r>
-                <a:rPr lang="en-US" sz="4000" b="1" spc="300" baseline="30000" dirty="0">
-                  <a:ln w="0"/>
-                  <a:solidFill>
-                    <a:schemeClr val="tx1"/>
-                  </a:solidFill>
-                  <a:effectLst>
-                    <a:outerShdw blurRad="38100" dist="19050" dir="2700000" algn="tl" rotWithShape="0">
-                      <a:schemeClr val="dk1">
-                        <a:alpha val="40000"/>
-                      </a:schemeClr>
-                    </a:outerShdw>
-                  </a:effectLst>
-                  <a:latin typeface="Capture it" panose="02000500000000000000" pitchFamily="2" charset="0"/>
-                </a:rPr>
-                <a:t>nd</a:t>
-              </a:r>
-              <a:r>
-                <a:rPr lang="en-US" sz="4000" b="1" spc="300" dirty="0">
-                  <a:ln w="0"/>
-                  <a:solidFill>
-                    <a:schemeClr val="tx1"/>
-                  </a:solidFill>
-                  <a:effectLst>
-                    <a:outerShdw blurRad="38100" dist="19050" dir="2700000" algn="tl" rotWithShape="0">
-                      <a:schemeClr val="dk1">
-                        <a:alpha val="40000"/>
-                      </a:schemeClr>
-                    </a:outerShdw>
-                  </a:effectLst>
-                  <a:latin typeface="Capture it" panose="02000500000000000000" pitchFamily="2" charset="0"/>
-                </a:rPr>
-                <a:t> Bn / 2 PARA</a:t>
-              </a:r>
-              <a:endParaRPr lang="en-US" sz="4000" b="1" cap="none" spc="300" dirty="0">
+              <a:endParaRPr lang="en-US" sz="4000" cap="none" spc="300" dirty="0">
                 <a:ln w="0"/>
                 <a:solidFill>
                   <a:schemeClr val="tx1"/>
                 </a:solidFill>
-                <a:effectLst>
-                  <a:outerShdw blurRad="38100" dist="19050" dir="2700000" algn="tl" rotWithShape="0">
-                    <a:schemeClr val="dk1">
-                      <a:alpha val="40000"/>
-                    </a:schemeClr>
-                  </a:outerShdw>
-                </a:effectLst>
-                <a:latin typeface="Capture it" panose="02000500000000000000" pitchFamily="2" charset="0"/>
+                <a:latin typeface="Segoe UI Semibold" panose="020B0702040204020203" pitchFamily="34" charset="0"/>
+                <a:cs typeface="Segoe UI Semibold" panose="020B0702040204020203" pitchFamily="34" charset="0"/>
               </a:endParaRPr>
             </a:p>
           </p:txBody>
@@ -10189,7 +10188,7 @@
       </p:grpSp>
       <p:pic>
         <p:nvPicPr>
-          <p:cNvPr id="10" name="Picture 9" descr="A picture containing kitchenware, clipart&#10;&#10;Description automatically generated">
+          <p:cNvPr id="10" name="Picture 9">
             <a:extLst>
               <a:ext uri="{FF2B5EF4-FFF2-40B4-BE49-F238E27FC236}">
                 <a16:creationId xmlns:a16="http://schemas.microsoft.com/office/drawing/2014/main" id="{E6F1A290-61FD-4F9F-82B8-44C00D3AD0EF}"/>
@@ -10202,47 +10201,14 @@
           <p:nvPr/>
         </p:nvPicPr>
         <p:blipFill>
-          <a:blip r:embed="rId2">
-            <a:extLst>
-              <a:ext uri="{BEBA8EAE-BF5A-486C-A8C5-ECC9F3942E4B}">
-                <a14:imgProps xmlns:a14="http://schemas.microsoft.com/office/drawing/2010/main">
-                  <a14:imgLayer r:embed="rId3">
-                    <a14:imgEffect>
-                      <a14:backgroundRemoval t="6897" b="93103" l="1903" r="96406">
-                        <a14:foregroundMark x1="48626" y1="10000" x2="48626" y2="6897"/>
-                        <a14:foregroundMark x1="35307" y1="44483" x2="35307" y2="44483"/>
-                        <a14:foregroundMark x1="31924" y1="44483" x2="31924" y2="44483"/>
-                        <a14:foregroundMark x1="12896" y1="46552" x2="12896" y2="46552"/>
-                        <a14:foregroundMark x1="15645" y1="47931" x2="27696" y2="60345"/>
-                        <a14:foregroundMark x1="34461" y1="63448" x2="41649" y2="68966"/>
-                        <a14:foregroundMark x1="41649" y1="68966" x2="41649" y2="68966"/>
-                        <a14:foregroundMark x1="42283" y1="72414" x2="44609" y2="74138"/>
-                        <a14:foregroundMark x1="55180" y1="75172" x2="60042" y2="72414"/>
-                        <a14:foregroundMark x1="58351" y1="71379" x2="81395" y2="48966"/>
-                        <a14:foregroundMark x1="83510" y1="48276" x2="87738" y2="47241"/>
-                        <a14:foregroundMark x1="92812" y1="46207" x2="92812" y2="46207"/>
-                        <a14:foregroundMark x1="96617" y1="44138" x2="96617" y2="44138"/>
-                        <a14:foregroundMark x1="69556" y1="44138" x2="69556" y2="44138"/>
-                        <a14:foregroundMark x1="56871" y1="45172" x2="56871" y2="45172"/>
-                        <a14:foregroundMark x1="5708" y1="46207" x2="5708" y2="46207"/>
-                        <a14:foregroundMark x1="1903" y1="43793" x2="1903" y2="43793"/>
-                        <a14:foregroundMark x1="49471" y1="93103" x2="49471" y2="93103"/>
-                        <a14:foregroundMark x1="52431" y1="7241" x2="52431" y2="7241"/>
-                      </a14:backgroundRemoval>
-                    </a14:imgEffect>
-                  </a14:imgLayer>
-                </a14:imgProps>
-              </a:ext>
-            </a:extLst>
-          </a:blip>
-          <a:stretch>
-            <a:fillRect/>
-          </a:stretch>
+          <a:blip r:embed="rId2"/>
+          <a:srcRect/>
+          <a:stretch/>
         </p:blipFill>
         <p:spPr>
           <a:xfrm>
-            <a:off x="2627570" y="1379604"/>
-            <a:ext cx="3888860" cy="2384291"/>
+            <a:off x="2664567" y="1379604"/>
+            <a:ext cx="3814865" cy="2384291"/>
           </a:xfrm>
           <a:prstGeom prst="rect">
             <a:avLst/>
@@ -10252,7 +10218,7 @@
     </p:spTree>
     <p:extLst>
       <p:ext uri="{BB962C8B-B14F-4D97-AF65-F5344CB8AC3E}">
-        <p14:creationId xmlns:p14="http://schemas.microsoft.com/office/powerpoint/2010/main" val="3253210031"/>
+        <p14:creationId xmlns:p14="http://schemas.microsoft.com/office/powerpoint/2010/main" val="3735221538"/>
       </p:ext>
     </p:extLst>
   </p:cSld>
